--- a/Technische Präsentation.pptx
+++ b/Technische Präsentation.pptx
@@ -5,10 +5,10 @@
     <p:sldMasterId id="2147483648" r:id="rId4"/>
   </p:sldMasterIdLst>
   <p:notesMasterIdLst>
-    <p:notesMasterId r:id="rId18"/>
+    <p:notesMasterId r:id="rId13"/>
   </p:notesMasterIdLst>
   <p:handoutMasterIdLst>
-    <p:handoutMasterId r:id="rId19"/>
+    <p:handoutMasterId r:id="rId14"/>
   </p:handoutMasterIdLst>
   <p:sldIdLst>
     <p:sldId id="2448" r:id="rId5"/>
@@ -19,11 +19,6 @@
     <p:sldId id="2451" r:id="rId10"/>
     <p:sldId id="2433" r:id="rId11"/>
     <p:sldId id="2436" r:id="rId12"/>
-    <p:sldId id="260" r:id="rId13"/>
-    <p:sldId id="262" r:id="rId14"/>
-    <p:sldId id="2453" r:id="rId15"/>
-    <p:sldId id="2454" r:id="rId16"/>
-    <p:sldId id="2456" r:id="rId17"/>
   </p:sldIdLst>
   <p:sldSz cx="12192000" cy="6858000"/>
   <p:notesSz cx="6858000" cy="9144000"/>
@@ -153,13 +148,18 @@
 <p1510:revInfo xmlns:a="http://schemas.openxmlformats.org/drawingml/2006/main" xmlns:r="http://schemas.openxmlformats.org/officeDocument/2006/relationships" xmlns:p1510="http://schemas.microsoft.com/office/powerpoint/2015/10/main">
   <p1510:revLst>
     <p1510:client id="{0967C1F0-E24A-4A68-8819-7790E77412B0}" v="161" dt="2023-10-22T17:42:35.380"/>
+    <p1510:client id="{0EE4F2C2-D07D-4684-8529-202CF2CE5B79}" v="20" dt="2023-10-23T12:46:51.760"/>
     <p1510:client id="{14CAFCB8-A36D-419E-B48A-F20FF1BCD2A4}" v="1" dt="2023-10-21T09:22:14.896"/>
     <p1510:client id="{330B2D32-E891-4DAE-A100-E5130797550D}" v="2" dt="2023-10-22T12:41:51.172"/>
+    <p1510:client id="{48015FD6-DD51-44B1-B6C5-7A478B2DCAC8}" v="2" dt="2023-10-23T08:51:17.756"/>
     <p1510:client id="{509215EF-023C-4D68-8082-875A1690F6B8}" v="287" dt="2023-10-21T10:57:49.492"/>
     <p1510:client id="{5BA888B1-B9A9-4203-8021-BBFFF9C584A3}" v="596" dt="2023-10-21T10:07:04.512"/>
     <p1510:client id="{75BF975D-0FE7-46A0-8D48-92A51E8F8A9A}" v="384" dt="2023-10-21T10:08:41.027"/>
     <p1510:client id="{961C1654-A6E6-45BB-925A-2DD358DD8B1E}" v="357" dt="2023-10-22T11:53:28.194"/>
+    <p1510:client id="{B6B56CE8-8D6A-43F0-9D1A-F5B483184E2B}" v="38" dt="2023-10-23T06:28:18.099"/>
+    <p1510:client id="{BD9935F2-CE1F-434D-A77A-7CDE6821D32E}" v="7" dt="2023-10-23T15:51:22.970"/>
     <p1510:client id="{C299402F-86A4-428E-9560-99B5AC3ADA31}" v="1" dt="2020-08-24T22:27:47.032"/>
+    <p1510:client id="{C77EDC14-4118-4A94-9889-B696E52F97CA}" v="8" dt="2023-10-23T06:29:31.437"/>
     <p1510:client id="{FC1813DD-58D2-40C4-B3A8-EB0C09B9CC29}" v="33" dt="2023-10-22T22:56:12.458"/>
   </p1510:revLst>
 </p1510:revInfo>
@@ -261,7 +261,7 @@
             <a:pPr rtl="0"/>
             <a:fld id="{113EEFA1-0CD4-4B4A-8B81-983694750BEC}" type="datetime1">
               <a:rPr lang="de-DE" smtClean="0"/>
-              <a:t>22.10.2023</a:t>
+              <a:t>23.10.2023</a:t>
             </a:fld>
             <a:endParaRPr lang="de-DE"/>
           </a:p>
@@ -443,7 +443,7 @@
             <a:fld id="{76EEEDEA-3685-4291-AB4B-0B315B572B9D}" type="datetime1">
               <a:rPr lang="de-DE" smtClean="0"/>
               <a:pPr/>
-              <a:t>22.10.2023</a:t>
+              <a:t>23.10.2023</a:t>
             </a:fld>
             <a:endParaRPr lang="de-DE" dirty="0"/>
           </a:p>
@@ -800,347 +800,6 @@
 </p:notes>
 </file>
 
-<file path=ppt/notesSlides/notesSlide10.xml><?xml version="1.0" encoding="utf-8"?>
-<p:notes xmlns:a="http://schemas.openxmlformats.org/drawingml/2006/main" xmlns:r="http://schemas.openxmlformats.org/officeDocument/2006/relationships" xmlns:p="http://schemas.openxmlformats.org/presentationml/2006/main">
-  <p:cSld>
-    <p:spTree>
-      <p:nvGrpSpPr>
-        <p:cNvPr id="1" name=""/>
-        <p:cNvGrpSpPr/>
-        <p:nvPr/>
-      </p:nvGrpSpPr>
-      <p:grpSpPr>
-        <a:xfrm>
-          <a:off x="0" y="0"/>
-          <a:ext cx="0" cy="0"/>
-          <a:chOff x="0" y="0"/>
-          <a:chExt cx="0" cy="0"/>
-        </a:xfrm>
-      </p:grpSpPr>
-      <p:sp>
-        <p:nvSpPr>
-          <p:cNvPr id="2" name="Folienbildplatzhalter 1"/>
-          <p:cNvSpPr>
-            <a:spLocks noGrp="1" noRot="1" noChangeAspect="1"/>
-          </p:cNvSpPr>
-          <p:nvPr>
-            <p:ph type="sldImg"/>
-          </p:nvPr>
-        </p:nvSpPr>
-        <p:spPr/>
-      </p:sp>
-      <p:sp>
-        <p:nvSpPr>
-          <p:cNvPr id="3" name="Notizenplatzhalter 2"/>
-          <p:cNvSpPr>
-            <a:spLocks noGrp="1"/>
-          </p:cNvSpPr>
-          <p:nvPr>
-            <p:ph type="body" idx="1"/>
-          </p:nvPr>
-        </p:nvSpPr>
-        <p:spPr/>
-        <p:txBody>
-          <a:bodyPr/>
-          <a:lstStyle/>
-          <a:p>
-            <a:endParaRPr lang="de-DE"/>
-          </a:p>
-        </p:txBody>
-      </p:sp>
-      <p:sp>
-        <p:nvSpPr>
-          <p:cNvPr id="4" name="Foliennummernplatzhalter 3"/>
-          <p:cNvSpPr>
-            <a:spLocks noGrp="1"/>
-          </p:cNvSpPr>
-          <p:nvPr>
-            <p:ph type="sldNum" sz="quarter" idx="5"/>
-          </p:nvPr>
-        </p:nvSpPr>
-        <p:spPr/>
-        <p:txBody>
-          <a:bodyPr/>
-          <a:lstStyle/>
-          <a:p>
-            <a:pPr rtl="0"/>
-            <a:fld id="{228B34ED-4CDD-41C9-90F7-D768D5559A6F}" type="slidenum">
-              <a:rPr lang="de-DE" smtClean="0"/>
-              <a:t>11</a:t>
-            </a:fld>
-            <a:endParaRPr lang="de-DE"/>
-          </a:p>
-        </p:txBody>
-      </p:sp>
-    </p:spTree>
-    <p:extLst>
-      <p:ext uri="{BB962C8B-B14F-4D97-AF65-F5344CB8AC3E}">
-        <p14:creationId xmlns:p14="http://schemas.microsoft.com/office/powerpoint/2010/main" val="78362653"/>
-      </p:ext>
-    </p:extLst>
-  </p:cSld>
-  <p:clrMapOvr>
-    <a:masterClrMapping/>
-  </p:clrMapOvr>
-</p:notes>
-</file>
-
-<file path=ppt/notesSlides/notesSlide11.xml><?xml version="1.0" encoding="utf-8"?>
-<p:notes xmlns:a="http://schemas.openxmlformats.org/drawingml/2006/main" xmlns:r="http://schemas.openxmlformats.org/officeDocument/2006/relationships" xmlns:p="http://schemas.openxmlformats.org/presentationml/2006/main">
-  <p:cSld>
-    <p:spTree>
-      <p:nvGrpSpPr>
-        <p:cNvPr id="1" name=""/>
-        <p:cNvGrpSpPr/>
-        <p:nvPr/>
-      </p:nvGrpSpPr>
-      <p:grpSpPr>
-        <a:xfrm>
-          <a:off x="0" y="0"/>
-          <a:ext cx="0" cy="0"/>
-          <a:chOff x="0" y="0"/>
-          <a:chExt cx="0" cy="0"/>
-        </a:xfrm>
-      </p:grpSpPr>
-      <p:sp>
-        <p:nvSpPr>
-          <p:cNvPr id="2" name="Folienbildplatzhalter 1"/>
-          <p:cNvSpPr>
-            <a:spLocks noGrp="1" noRot="1" noChangeAspect="1"/>
-          </p:cNvSpPr>
-          <p:nvPr>
-            <p:ph type="sldImg"/>
-          </p:nvPr>
-        </p:nvSpPr>
-        <p:spPr/>
-      </p:sp>
-      <p:sp>
-        <p:nvSpPr>
-          <p:cNvPr id="3" name="Notizenplatzhalter 2"/>
-          <p:cNvSpPr>
-            <a:spLocks noGrp="1"/>
-          </p:cNvSpPr>
-          <p:nvPr>
-            <p:ph type="body" idx="1"/>
-          </p:nvPr>
-        </p:nvSpPr>
-        <p:spPr/>
-        <p:txBody>
-          <a:bodyPr/>
-          <a:lstStyle/>
-          <a:p>
-            <a:endParaRPr lang="de-DE"/>
-          </a:p>
-        </p:txBody>
-      </p:sp>
-      <p:sp>
-        <p:nvSpPr>
-          <p:cNvPr id="4" name="Foliennummernplatzhalter 3"/>
-          <p:cNvSpPr>
-            <a:spLocks noGrp="1"/>
-          </p:cNvSpPr>
-          <p:nvPr>
-            <p:ph type="sldNum" sz="quarter" idx="5"/>
-          </p:nvPr>
-        </p:nvSpPr>
-        <p:spPr/>
-        <p:txBody>
-          <a:bodyPr/>
-          <a:lstStyle/>
-          <a:p>
-            <a:pPr rtl="0"/>
-            <a:fld id="{228B34ED-4CDD-41C9-90F7-D768D5559A6F}" type="slidenum">
-              <a:rPr lang="de-DE" smtClean="0"/>
-              <a:t>12</a:t>
-            </a:fld>
-            <a:endParaRPr lang="de-DE"/>
-          </a:p>
-        </p:txBody>
-      </p:sp>
-    </p:spTree>
-    <p:extLst>
-      <p:ext uri="{BB962C8B-B14F-4D97-AF65-F5344CB8AC3E}">
-        <p14:creationId xmlns:p14="http://schemas.microsoft.com/office/powerpoint/2010/main" val="4207406137"/>
-      </p:ext>
-    </p:extLst>
-  </p:cSld>
-  <p:clrMapOvr>
-    <a:masterClrMapping/>
-  </p:clrMapOvr>
-</p:notes>
-</file>
-
-<file path=ppt/notesSlides/notesSlide12.xml><?xml version="1.0" encoding="utf-8"?>
-<p:notes xmlns:a="http://schemas.openxmlformats.org/drawingml/2006/main" xmlns:r="http://schemas.openxmlformats.org/officeDocument/2006/relationships" xmlns:p="http://schemas.openxmlformats.org/presentationml/2006/main">
-  <p:cSld>
-    <p:spTree>
-      <p:nvGrpSpPr>
-        <p:cNvPr id="1" name=""/>
-        <p:cNvGrpSpPr/>
-        <p:nvPr/>
-      </p:nvGrpSpPr>
-      <p:grpSpPr>
-        <a:xfrm>
-          <a:off x="0" y="0"/>
-          <a:ext cx="0" cy="0"/>
-          <a:chOff x="0" y="0"/>
-          <a:chExt cx="0" cy="0"/>
-        </a:xfrm>
-      </p:grpSpPr>
-      <p:sp>
-        <p:nvSpPr>
-          <p:cNvPr id="2" name="Folienbildplatzhalter 1"/>
-          <p:cNvSpPr>
-            <a:spLocks noGrp="1" noRot="1" noChangeAspect="1"/>
-          </p:cNvSpPr>
-          <p:nvPr>
-            <p:ph type="sldImg"/>
-          </p:nvPr>
-        </p:nvSpPr>
-        <p:spPr/>
-      </p:sp>
-      <p:sp>
-        <p:nvSpPr>
-          <p:cNvPr id="3" name="Notizenplatzhalter 2"/>
-          <p:cNvSpPr>
-            <a:spLocks noGrp="1"/>
-          </p:cNvSpPr>
-          <p:nvPr>
-            <p:ph type="body" idx="1"/>
-          </p:nvPr>
-        </p:nvSpPr>
-        <p:spPr/>
-        <p:txBody>
-          <a:bodyPr/>
-          <a:lstStyle/>
-          <a:p>
-            <a:endParaRPr lang="de-DE"/>
-          </a:p>
-        </p:txBody>
-      </p:sp>
-      <p:sp>
-        <p:nvSpPr>
-          <p:cNvPr id="4" name="Foliennummernplatzhalter 3"/>
-          <p:cNvSpPr>
-            <a:spLocks noGrp="1"/>
-          </p:cNvSpPr>
-          <p:nvPr>
-            <p:ph type="sldNum" sz="quarter" idx="5"/>
-          </p:nvPr>
-        </p:nvSpPr>
-        <p:spPr/>
-        <p:txBody>
-          <a:bodyPr/>
-          <a:lstStyle/>
-          <a:p>
-            <a:pPr rtl="0"/>
-            <a:fld id="{228B34ED-4CDD-41C9-90F7-D768D5559A6F}" type="slidenum">
-              <a:rPr lang="de-DE" smtClean="0"/>
-              <a:t>13</a:t>
-            </a:fld>
-            <a:endParaRPr lang="de-DE"/>
-          </a:p>
-        </p:txBody>
-      </p:sp>
-    </p:spTree>
-    <p:extLst>
-      <p:ext uri="{BB962C8B-B14F-4D97-AF65-F5344CB8AC3E}">
-        <p14:creationId xmlns:p14="http://schemas.microsoft.com/office/powerpoint/2010/main" val="1136386838"/>
-      </p:ext>
-    </p:extLst>
-  </p:cSld>
-  <p:clrMapOvr>
-    <a:masterClrMapping/>
-  </p:clrMapOvr>
-</p:notes>
-</file>
-
-<file path=ppt/notesSlides/notesSlide13.xml><?xml version="1.0" encoding="utf-8"?>
-<p:notes xmlns:a="http://schemas.openxmlformats.org/drawingml/2006/main" xmlns:r="http://schemas.openxmlformats.org/officeDocument/2006/relationships" xmlns:p="http://schemas.openxmlformats.org/presentationml/2006/main">
-  <p:cSld>
-    <p:spTree>
-      <p:nvGrpSpPr>
-        <p:cNvPr id="1" name=""/>
-        <p:cNvGrpSpPr/>
-        <p:nvPr/>
-      </p:nvGrpSpPr>
-      <p:grpSpPr>
-        <a:xfrm>
-          <a:off x="0" y="0"/>
-          <a:ext cx="0" cy="0"/>
-          <a:chOff x="0" y="0"/>
-          <a:chExt cx="0" cy="0"/>
-        </a:xfrm>
-      </p:grpSpPr>
-      <p:sp>
-        <p:nvSpPr>
-          <p:cNvPr id="2" name="Folienbildplatzhalter 1"/>
-          <p:cNvSpPr>
-            <a:spLocks noGrp="1" noRot="1" noChangeAspect="1"/>
-          </p:cNvSpPr>
-          <p:nvPr>
-            <p:ph type="sldImg"/>
-          </p:nvPr>
-        </p:nvSpPr>
-        <p:spPr/>
-      </p:sp>
-      <p:sp>
-        <p:nvSpPr>
-          <p:cNvPr id="3" name="Notizenplatzhalter 2"/>
-          <p:cNvSpPr>
-            <a:spLocks noGrp="1"/>
-          </p:cNvSpPr>
-          <p:nvPr>
-            <p:ph type="body" idx="1"/>
-          </p:nvPr>
-        </p:nvSpPr>
-        <p:spPr/>
-        <p:txBody>
-          <a:bodyPr rtlCol="0"/>
-          <a:lstStyle/>
-          <a:p>
-            <a:pPr rtl="0"/>
-            <a:endParaRPr lang="de-DE"/>
-          </a:p>
-        </p:txBody>
-      </p:sp>
-      <p:sp>
-        <p:nvSpPr>
-          <p:cNvPr id="4" name="Foliennummernplatzhalter 3"/>
-          <p:cNvSpPr>
-            <a:spLocks noGrp="1"/>
-          </p:cNvSpPr>
-          <p:nvPr>
-            <p:ph type="sldNum" sz="quarter" idx="5"/>
-          </p:nvPr>
-        </p:nvSpPr>
-        <p:spPr/>
-        <p:txBody>
-          <a:bodyPr rtlCol="0"/>
-          <a:lstStyle/>
-          <a:p>
-            <a:pPr rtl="0"/>
-            <a:fld id="{228B34ED-4CDD-41C9-90F7-D768D5559A6F}" type="slidenum">
-              <a:rPr lang="de-DE" smtClean="0"/>
-              <a:t>14</a:t>
-            </a:fld>
-            <a:endParaRPr lang="de-DE"/>
-          </a:p>
-        </p:txBody>
-      </p:sp>
-    </p:spTree>
-    <p:extLst>
-      <p:ext uri="{BB962C8B-B14F-4D97-AF65-F5344CB8AC3E}">
-        <p14:creationId xmlns:p14="http://schemas.microsoft.com/office/powerpoint/2010/main" val="1632949142"/>
-      </p:ext>
-    </p:extLst>
-  </p:cSld>
-  <p:clrMapOvr>
-    <a:masterClrMapping/>
-  </p:clrMapOvr>
-</p:notes>
-</file>
-
 <file path=ppt/notesSlides/notesSlide2.xml><?xml version="1.0" encoding="utf-8"?>
 <p:notes xmlns:a="http://schemas.openxmlformats.org/drawingml/2006/main" xmlns:r="http://schemas.openxmlformats.org/officeDocument/2006/relationships" xmlns:p="http://schemas.openxmlformats.org/presentationml/2006/main">
   <p:cSld>
@@ -1377,7 +1036,7 @@
             <a:pPr rtl="0"/>
             <a:fld id="{228B34ED-4CDD-41C9-90F7-D768D5559A6F}" type="slidenum">
               <a:rPr lang="de-DE" smtClean="0"/>
-              <a:t>5</a:t>
+              <a:t>4</a:t>
             </a:fld>
             <a:endParaRPr lang="de-DE"/>
           </a:p>
@@ -1462,7 +1121,7 @@
             <a:pPr rtl="0"/>
             <a:fld id="{228B34ED-4CDD-41C9-90F7-D768D5559A6F}" type="slidenum">
               <a:rPr lang="de-DE" smtClean="0"/>
-              <a:t>6</a:t>
+              <a:t>5</a:t>
             </a:fld>
             <a:endParaRPr lang="de-DE"/>
           </a:p>
@@ -1547,7 +1206,7 @@
             <a:pPr rtl="0"/>
             <a:fld id="{228B34ED-4CDD-41C9-90F7-D768D5559A6F}" type="slidenum">
               <a:rPr lang="de-DE" smtClean="0"/>
-              <a:t>7</a:t>
+              <a:t>6</a:t>
             </a:fld>
             <a:endParaRPr lang="de-DE"/>
           </a:p>
@@ -1632,7 +1291,7 @@
             <a:pPr rtl="0"/>
             <a:fld id="{228B34ED-4CDD-41C9-90F7-D768D5559A6F}" type="slidenum">
               <a:rPr lang="de-DE" smtClean="0"/>
-              <a:t>8</a:t>
+              <a:t>7</a:t>
             </a:fld>
             <a:endParaRPr lang="de-DE"/>
           </a:p>
@@ -1717,7 +1376,7 @@
             <a:pPr rtl="0"/>
             <a:fld id="{228B34ED-4CDD-41C9-90F7-D768D5559A6F}" type="slidenum">
               <a:rPr lang="de-DE" smtClean="0"/>
-              <a:t>9</a:t>
+              <a:t>8</a:t>
             </a:fld>
             <a:endParaRPr lang="de-DE"/>
           </a:p>
@@ -1727,92 +1386,6 @@
     <p:extLst>
       <p:ext uri="{BB962C8B-B14F-4D97-AF65-F5344CB8AC3E}">
         <p14:creationId xmlns:p14="http://schemas.microsoft.com/office/powerpoint/2010/main" val="997925009"/>
-      </p:ext>
-    </p:extLst>
-  </p:cSld>
-  <p:clrMapOvr>
-    <a:masterClrMapping/>
-  </p:clrMapOvr>
-</p:notes>
-</file>
-
-<file path=ppt/notesSlides/notesSlide9.xml><?xml version="1.0" encoding="utf-8"?>
-<p:notes xmlns:a="http://schemas.openxmlformats.org/drawingml/2006/main" xmlns:r="http://schemas.openxmlformats.org/officeDocument/2006/relationships" xmlns:p="http://schemas.openxmlformats.org/presentationml/2006/main">
-  <p:cSld>
-    <p:spTree>
-      <p:nvGrpSpPr>
-        <p:cNvPr id="1" name=""/>
-        <p:cNvGrpSpPr/>
-        <p:nvPr/>
-      </p:nvGrpSpPr>
-      <p:grpSpPr>
-        <a:xfrm>
-          <a:off x="0" y="0"/>
-          <a:ext cx="0" cy="0"/>
-          <a:chOff x="0" y="0"/>
-          <a:chExt cx="0" cy="0"/>
-        </a:xfrm>
-      </p:grpSpPr>
-      <p:sp>
-        <p:nvSpPr>
-          <p:cNvPr id="2" name="Folienbildplatzhalter 1"/>
-          <p:cNvSpPr>
-            <a:spLocks noGrp="1" noRot="1" noChangeAspect="1"/>
-          </p:cNvSpPr>
-          <p:nvPr>
-            <p:ph type="sldImg"/>
-          </p:nvPr>
-        </p:nvSpPr>
-        <p:spPr/>
-      </p:sp>
-      <p:sp>
-        <p:nvSpPr>
-          <p:cNvPr id="3" name="Notizenplatzhalter 2"/>
-          <p:cNvSpPr>
-            <a:spLocks noGrp="1"/>
-          </p:cNvSpPr>
-          <p:nvPr>
-            <p:ph type="body" idx="1"/>
-          </p:nvPr>
-        </p:nvSpPr>
-        <p:spPr/>
-        <p:txBody>
-          <a:bodyPr rtlCol="0"/>
-          <a:lstStyle/>
-          <a:p>
-            <a:pPr rtl="0"/>
-            <a:endParaRPr lang="de-DE"/>
-          </a:p>
-        </p:txBody>
-      </p:sp>
-      <p:sp>
-        <p:nvSpPr>
-          <p:cNvPr id="4" name="Foliennummernplatzhalter 3"/>
-          <p:cNvSpPr>
-            <a:spLocks noGrp="1"/>
-          </p:cNvSpPr>
-          <p:nvPr>
-            <p:ph type="sldNum" sz="quarter" idx="10"/>
-          </p:nvPr>
-        </p:nvSpPr>
-        <p:spPr/>
-        <p:txBody>
-          <a:bodyPr rtlCol="0"/>
-          <a:lstStyle/>
-          <a:p>
-            <a:pPr rtl="0"/>
-            <a:fld id="{228B34ED-4CDD-41C9-90F7-D768D5559A6F}" type="slidenum">
-              <a:rPr lang="de-DE" smtClean="0"/>
-              <a:t>10</a:t>
-            </a:fld>
-            <a:endParaRPr lang="de-DE"/>
-          </a:p>
-        </p:txBody>
-      </p:sp>
-    </p:spTree>
-    <p:extLst>
-      <p:ext uri="{BB962C8B-B14F-4D97-AF65-F5344CB8AC3E}">
-        <p14:creationId xmlns:p14="http://schemas.microsoft.com/office/powerpoint/2010/main" val="1360010445"/>
       </p:ext>
     </p:extLst>
   </p:cSld>
@@ -6458,3634 +6031,6 @@
 </p:sld>
 </file>
 
-<file path=ppt/slides/slide10.xml><?xml version="1.0" encoding="utf-8"?>
-<p:sld xmlns:a="http://schemas.openxmlformats.org/drawingml/2006/main" xmlns:r="http://schemas.openxmlformats.org/officeDocument/2006/relationships" xmlns:p="http://schemas.openxmlformats.org/presentationml/2006/main">
-  <p:cSld>
-    <p:spTree>
-      <p:nvGrpSpPr>
-        <p:cNvPr id="1" name=""/>
-        <p:cNvGrpSpPr/>
-        <p:nvPr/>
-      </p:nvGrpSpPr>
-      <p:grpSpPr>
-        <a:xfrm>
-          <a:off x="0" y="0"/>
-          <a:ext cx="0" cy="0"/>
-          <a:chOff x="0" y="0"/>
-          <a:chExt cx="0" cy="0"/>
-        </a:xfrm>
-      </p:grpSpPr>
-      <p:sp>
-        <p:nvSpPr>
-          <p:cNvPr id="14" name="Titel 2">
-            <a:extLst>
-              <a:ext uri="{FF2B5EF4-FFF2-40B4-BE49-F238E27FC236}">
-                <a16:creationId xmlns:a16="http://schemas.microsoft.com/office/drawing/2014/main" id="{93863800-85E5-44A7-96E9-521CE882616B}"/>
-              </a:ext>
-            </a:extLst>
-          </p:cNvPr>
-          <p:cNvSpPr>
-            <a:spLocks noGrp="1"/>
-          </p:cNvSpPr>
-          <p:nvPr>
-            <p:ph type="title"/>
-          </p:nvPr>
-        </p:nvSpPr>
-        <p:spPr/>
-        <p:txBody>
-          <a:bodyPr rtlCol="0" anchor="ctr">
-            <a:normAutofit/>
-          </a:bodyPr>
-          <a:lstStyle/>
-          <a:p>
-            <a:pPr algn="ctr" rtl="0"/>
-            <a:r>
-              <a:rPr lang="de-DE" sz="4800" spc="300"/>
-              <a:t>Ziele für Q2</a:t>
-            </a:r>
-          </a:p>
-        </p:txBody>
-      </p:sp>
-      <p:pic>
-        <p:nvPicPr>
-          <p:cNvPr id="15" name="Bildplatzhalter 14" descr="Professionelles Gruppenfoto">
-            <a:extLst>
-              <a:ext uri="{FF2B5EF4-FFF2-40B4-BE49-F238E27FC236}">
-                <a16:creationId xmlns:a16="http://schemas.microsoft.com/office/drawing/2014/main" id="{4B696E0D-78B0-41A4-A40D-7A4F6E88FEB7}"/>
-              </a:ext>
-            </a:extLst>
-          </p:cNvPr>
-          <p:cNvPicPr>
-            <a:picLocks noGrp="1" noChangeAspect="1"/>
-          </p:cNvPicPr>
-          <p:nvPr>
-            <p:ph type="pic" sz="quarter" idx="10"/>
-          </p:nvPr>
-        </p:nvPicPr>
-        <p:blipFill>
-          <a:blip r:embed="rId3" cstate="email">
-            <a:extLst>
-              <a:ext uri="{BEBA8EAE-BF5A-486C-A8C5-ECC9F3942E4B}">
-                <a14:imgProps xmlns:a14="http://schemas.microsoft.com/office/drawing/2010/main">
-                  <a14:imgLayer r:embed="rId4">
-                    <a14:imgEffect>
-                      <a14:saturation sat="0"/>
-                    </a14:imgEffect>
-                  </a14:imgLayer>
-                </a14:imgProps>
-              </a:ext>
-              <a:ext uri="{28A0092B-C50C-407E-A947-70E740481C1C}">
-                <a14:useLocalDpi xmlns:a14="http://schemas.microsoft.com/office/drawing/2010/main"/>
-              </a:ext>
-            </a:extLst>
-          </a:blip>
-          <a:srcRect t="22475" b="22475"/>
-          <a:stretch>
-            <a:fillRect/>
-          </a:stretch>
-        </p:blipFill>
-        <p:spPr/>
-      </p:pic>
-      <p:pic>
-        <p:nvPicPr>
-          <p:cNvPr id="10" name="Bildplatzhalter 9" descr="Nahaufnahme von Computerplatinen">
-            <a:extLst>
-              <a:ext uri="{FF2B5EF4-FFF2-40B4-BE49-F238E27FC236}">
-                <a16:creationId xmlns:a16="http://schemas.microsoft.com/office/drawing/2014/main" id="{AD4E0449-1F68-4DB7-BBE6-7BC3B0E30699}"/>
-              </a:ext>
-            </a:extLst>
-          </p:cNvPr>
-          <p:cNvPicPr>
-            <a:picLocks noGrp="1" noChangeAspect="1"/>
-          </p:cNvPicPr>
-          <p:nvPr>
-            <p:ph type="pic" sz="quarter" idx="11"/>
-          </p:nvPr>
-        </p:nvPicPr>
-        <p:blipFill>
-          <a:blip r:embed="rId5" cstate="email">
-            <a:extLst>
-              <a:ext uri="{BEBA8EAE-BF5A-486C-A8C5-ECC9F3942E4B}">
-                <a14:imgProps xmlns:a14="http://schemas.microsoft.com/office/drawing/2010/main">
-                  <a14:imgLayer r:embed="rId6">
-                    <a14:imgEffect>
-                      <a14:saturation sat="0"/>
-                    </a14:imgEffect>
-                  </a14:imgLayer>
-                </a14:imgProps>
-              </a:ext>
-              <a:ext uri="{28A0092B-C50C-407E-A947-70E740481C1C}">
-                <a14:useLocalDpi xmlns:a14="http://schemas.microsoft.com/office/drawing/2010/main"/>
-              </a:ext>
-            </a:extLst>
-          </a:blip>
-          <a:srcRect t="15074" b="15074"/>
-          <a:stretch>
-            <a:fillRect/>
-          </a:stretch>
-        </p:blipFill>
-        <p:spPr/>
-      </p:pic>
-      <p:sp>
-        <p:nvSpPr>
-          <p:cNvPr id="4" name="Textplatzhalter 3">
-            <a:extLst>
-              <a:ext uri="{FF2B5EF4-FFF2-40B4-BE49-F238E27FC236}">
-                <a16:creationId xmlns:a16="http://schemas.microsoft.com/office/drawing/2014/main" id="{CC409A73-2FDB-4725-9558-77B4ACF929B3}"/>
-              </a:ext>
-            </a:extLst>
-          </p:cNvPr>
-          <p:cNvSpPr>
-            <a:spLocks noGrp="1"/>
-          </p:cNvSpPr>
-          <p:nvPr>
-            <p:ph type="body" idx="1"/>
-          </p:nvPr>
-        </p:nvSpPr>
-        <p:spPr/>
-        <p:txBody>
-          <a:bodyPr rtlCol="0">
-            <a:normAutofit fontScale="92500" lnSpcReduction="20000"/>
-          </a:bodyPr>
-          <a:lstStyle/>
-          <a:p>
-            <a:pPr rtl="0"/>
-            <a:r>
-              <a:rPr lang="de-DE" spc="300">
-                <a:solidFill>
-                  <a:schemeClr val="tx1"/>
-                </a:solidFill>
-              </a:rPr>
-              <a:t>BERUFLICHE MÖGLICHKEITEN</a:t>
-            </a:r>
-          </a:p>
-        </p:txBody>
-      </p:sp>
-      <p:sp>
-        <p:nvSpPr>
-          <p:cNvPr id="6" name="Textplatzhalter 5">
-            <a:extLst>
-              <a:ext uri="{FF2B5EF4-FFF2-40B4-BE49-F238E27FC236}">
-                <a16:creationId xmlns:a16="http://schemas.microsoft.com/office/drawing/2014/main" id="{5FBB0776-0624-4A97-8BD3-03CF602288BA}"/>
-              </a:ext>
-            </a:extLst>
-          </p:cNvPr>
-          <p:cNvSpPr>
-            <a:spLocks noGrp="1"/>
-          </p:cNvSpPr>
-          <p:nvPr>
-            <p:ph type="body" sz="quarter" idx="3"/>
-          </p:nvPr>
-        </p:nvSpPr>
-        <p:spPr/>
-        <p:txBody>
-          <a:bodyPr rtlCol="0">
-            <a:normAutofit fontScale="92500" lnSpcReduction="20000"/>
-          </a:bodyPr>
-          <a:lstStyle/>
-          <a:p>
-            <a:pPr rtl="0"/>
-            <a:r>
-              <a:rPr lang="de-DE" spc="300">
-                <a:solidFill>
-                  <a:schemeClr val="tx1"/>
-                </a:solidFill>
-              </a:rPr>
-              <a:t>GESCHÄFTLICHE PRIORITÄTEN</a:t>
-            </a:r>
-          </a:p>
-        </p:txBody>
-      </p:sp>
-      <p:sp>
-        <p:nvSpPr>
-          <p:cNvPr id="5" name="Inhaltsplatzhalter 4">
-            <a:extLst>
-              <a:ext uri="{FF2B5EF4-FFF2-40B4-BE49-F238E27FC236}">
-                <a16:creationId xmlns:a16="http://schemas.microsoft.com/office/drawing/2014/main" id="{56D0F54D-A602-4D35-8BE1-6B9BE8078989}"/>
-              </a:ext>
-            </a:extLst>
-          </p:cNvPr>
-          <p:cNvSpPr>
-            <a:spLocks noGrp="1"/>
-          </p:cNvSpPr>
-          <p:nvPr>
-            <p:ph sz="half" idx="2"/>
-          </p:nvPr>
-        </p:nvSpPr>
-        <p:spPr/>
-        <p:txBody>
-          <a:bodyPr rtlCol="0">
-            <a:normAutofit/>
-          </a:bodyPr>
-          <a:lstStyle/>
-          <a:p>
-            <a:pPr rtl="0">
-              <a:lnSpc>
-                <a:spcPct val="100000"/>
-              </a:lnSpc>
-              <a:buFont typeface="Wingdings" panose="05000000000000000000" pitchFamily="2" charset="2"/>
-              <a:buChar char="§"/>
-            </a:pPr>
-            <a:r>
-              <a:rPr lang="de-DE" sz="1400">
-                <a:solidFill>
-                  <a:schemeClr val="tx1"/>
-                </a:solidFill>
-              </a:rPr>
-              <a:t>Feier zum Ende des Geschäftsjahres am 15. Juli </a:t>
-            </a:r>
-          </a:p>
-          <a:p>
-            <a:pPr rtl="0">
-              <a:lnSpc>
-                <a:spcPct val="100000"/>
-              </a:lnSpc>
-              <a:buFont typeface="Wingdings" panose="05000000000000000000" pitchFamily="2" charset="2"/>
-              <a:buChar char="§"/>
-            </a:pPr>
-            <a:r>
-              <a:rPr lang="de-DE" sz="1400">
-                <a:solidFill>
-                  <a:schemeClr val="tx1"/>
-                </a:solidFill>
-              </a:rPr>
-              <a:t>Mitarbeitertag des Lernens am 14. August </a:t>
-            </a:r>
-          </a:p>
-          <a:p>
-            <a:pPr rtl="0">
-              <a:lnSpc>
-                <a:spcPct val="100000"/>
-              </a:lnSpc>
-              <a:buFont typeface="Wingdings" panose="05000000000000000000" pitchFamily="2" charset="2"/>
-              <a:buChar char="§"/>
-            </a:pPr>
-            <a:r>
-              <a:rPr lang="de-DE" sz="1400">
-                <a:solidFill>
-                  <a:schemeClr val="tx1"/>
-                </a:solidFill>
-              </a:rPr>
-              <a:t>Mitarbeiter-Yoga am 3. September </a:t>
-            </a:r>
-          </a:p>
-          <a:p>
-            <a:pPr rtl="0">
-              <a:lnSpc>
-                <a:spcPct val="100000"/>
-              </a:lnSpc>
-              <a:buFont typeface="Wingdings" panose="05000000000000000000" pitchFamily="2" charset="2"/>
-              <a:buChar char="§"/>
-            </a:pPr>
-            <a:r>
-              <a:rPr lang="de-DE" sz="1400">
-                <a:solidFill>
-                  <a:schemeClr val="tx1"/>
-                </a:solidFill>
-              </a:rPr>
-              <a:t>Die Seminarreihe startet am 10. September. </a:t>
-            </a:r>
-          </a:p>
-        </p:txBody>
-      </p:sp>
-      <p:sp>
-        <p:nvSpPr>
-          <p:cNvPr id="7" name="Inhaltsplatzhalter 6">
-            <a:extLst>
-              <a:ext uri="{FF2B5EF4-FFF2-40B4-BE49-F238E27FC236}">
-                <a16:creationId xmlns:a16="http://schemas.microsoft.com/office/drawing/2014/main" id="{EFFBC808-1837-4C36-BFF0-135B8C1042A2}"/>
-              </a:ext>
-            </a:extLst>
-          </p:cNvPr>
-          <p:cNvSpPr>
-            <a:spLocks noGrp="1"/>
-          </p:cNvSpPr>
-          <p:nvPr>
-            <p:ph sz="quarter" idx="4"/>
-          </p:nvPr>
-        </p:nvSpPr>
-        <p:spPr/>
-        <p:txBody>
-          <a:bodyPr rtlCol="0">
-            <a:normAutofit/>
-          </a:bodyPr>
-          <a:lstStyle/>
-          <a:p>
-            <a:pPr rtl="0">
-              <a:lnSpc>
-                <a:spcPct val="100000"/>
-              </a:lnSpc>
-              <a:buFont typeface="Wingdings" panose="05000000000000000000" pitchFamily="2" charset="2"/>
-              <a:buChar char="§"/>
-            </a:pPr>
-            <a:r>
-              <a:rPr lang="de-DE" sz="1400">
-                <a:solidFill>
-                  <a:schemeClr val="tx1"/>
-                </a:solidFill>
-              </a:rPr>
-              <a:t>Kundenzufriedenheit um 2 % steigern</a:t>
-            </a:r>
-          </a:p>
-          <a:p>
-            <a:pPr rtl="0">
-              <a:lnSpc>
-                <a:spcPct val="100000"/>
-              </a:lnSpc>
-              <a:buFont typeface="Wingdings" panose="05000000000000000000" pitchFamily="2" charset="2"/>
-              <a:buChar char="§"/>
-            </a:pPr>
-            <a:r>
-              <a:rPr lang="de-DE" sz="1400">
-                <a:solidFill>
-                  <a:schemeClr val="tx1"/>
-                </a:solidFill>
-              </a:rPr>
-              <a:t>Wachstum beibehalten</a:t>
-            </a:r>
-          </a:p>
-          <a:p>
-            <a:pPr rtl="0">
-              <a:lnSpc>
-                <a:spcPct val="100000"/>
-              </a:lnSpc>
-              <a:buFont typeface="Wingdings" panose="05000000000000000000" pitchFamily="2" charset="2"/>
-              <a:buChar char="§"/>
-            </a:pPr>
-            <a:r>
-              <a:rPr lang="de-DE" sz="1400">
-                <a:solidFill>
-                  <a:schemeClr val="tx1"/>
-                </a:solidFill>
-              </a:rPr>
-              <a:t>Initiative zur Partnerschaft mit Drittanbieterorganisationen</a:t>
-            </a:r>
-          </a:p>
-        </p:txBody>
-      </p:sp>
-      <p:sp>
-        <p:nvSpPr>
-          <p:cNvPr id="16" name="Foliennummernplatzhalter 15">
-            <a:extLst>
-              <a:ext uri="{FF2B5EF4-FFF2-40B4-BE49-F238E27FC236}">
-                <a16:creationId xmlns:a16="http://schemas.microsoft.com/office/drawing/2014/main" id="{8E69FE38-B9E0-4441-8A00-92DDB88DF02C}"/>
-              </a:ext>
-            </a:extLst>
-          </p:cNvPr>
-          <p:cNvSpPr>
-            <a:spLocks noGrp="1"/>
-          </p:cNvSpPr>
-          <p:nvPr>
-            <p:ph type="sldNum" sz="quarter" idx="12"/>
-          </p:nvPr>
-        </p:nvSpPr>
-        <p:spPr/>
-        <p:txBody>
-          <a:bodyPr rtlCol="0"/>
-          <a:lstStyle/>
-          <a:p>
-            <a:pPr rtl="0"/>
-            <a:fld id="{8C2E478F-E849-4A8C-AF1F-CBCC78A7CBFA}" type="slidenum">
-              <a:rPr lang="de-DE" smtClean="0"/>
-              <a:t>10</a:t>
-            </a:fld>
-            <a:endParaRPr lang="de-DE"/>
-          </a:p>
-        </p:txBody>
-      </p:sp>
-    </p:spTree>
-    <p:extLst>
-      <p:ext uri="{BB962C8B-B14F-4D97-AF65-F5344CB8AC3E}">
-        <p14:creationId xmlns:p14="http://schemas.microsoft.com/office/powerpoint/2010/main" val="1619265676"/>
-      </p:ext>
-    </p:extLst>
-  </p:cSld>
-  <p:clrMapOvr>
-    <a:masterClrMapping/>
-  </p:clrMapOvr>
-</p:sld>
-</file>
-
-<file path=ppt/slides/slide11.xml><?xml version="1.0" encoding="utf-8"?>
-<p:sld xmlns:a="http://schemas.openxmlformats.org/drawingml/2006/main" xmlns:r="http://schemas.openxmlformats.org/officeDocument/2006/relationships" xmlns:p="http://schemas.openxmlformats.org/presentationml/2006/main">
-  <p:cSld>
-    <p:spTree>
-      <p:nvGrpSpPr>
-        <p:cNvPr id="1" name=""/>
-        <p:cNvGrpSpPr/>
-        <p:nvPr/>
-      </p:nvGrpSpPr>
-      <p:grpSpPr>
-        <a:xfrm>
-          <a:off x="0" y="0"/>
-          <a:ext cx="0" cy="0"/>
-          <a:chOff x="0" y="0"/>
-          <a:chExt cx="0" cy="0"/>
-        </a:xfrm>
-      </p:grpSpPr>
-      <p:sp>
-        <p:nvSpPr>
-          <p:cNvPr id="9" name="Rechteck 8">
-            <a:extLst>
-              <a:ext uri="{FF2B5EF4-FFF2-40B4-BE49-F238E27FC236}">
-                <a16:creationId xmlns:a16="http://schemas.microsoft.com/office/drawing/2014/main" id="{7A457865-6CE4-48F7-9DE8-065695261810}"/>
-              </a:ext>
-              <a:ext uri="{C183D7F6-B498-43B3-948B-1728B52AA6E4}">
-                <adec:decorative xmlns:adec="http://schemas.microsoft.com/office/drawing/2017/decorative" val="1"/>
-              </a:ext>
-            </a:extLst>
-          </p:cNvPr>
-          <p:cNvSpPr/>
-          <p:nvPr/>
-        </p:nvSpPr>
-        <p:spPr>
-          <a:xfrm>
-            <a:off x="593725" y="2417615"/>
-            <a:ext cx="11002961" cy="557784"/>
-          </a:xfrm>
-          <a:prstGeom prst="rect">
-            <a:avLst/>
-          </a:prstGeom>
-          <a:gradFill flip="none" rotWithShape="1">
-            <a:gsLst>
-              <a:gs pos="0">
-                <a:schemeClr val="accent5"/>
-              </a:gs>
-              <a:gs pos="100000">
-                <a:schemeClr val="accent2">
-                  <a:lumMod val="98000"/>
-                  <a:lumOff val="2000"/>
-                </a:schemeClr>
-              </a:gs>
-              <a:gs pos="50000">
-                <a:schemeClr val="accent1"/>
-              </a:gs>
-            </a:gsLst>
-            <a:path path="circle">
-              <a:fillToRect l="100000" t="100000"/>
-            </a:path>
-            <a:tileRect r="-100000" b="-100000"/>
-          </a:gradFill>
-          <a:ln>
-            <a:noFill/>
-          </a:ln>
-        </p:spPr>
-        <p:style>
-          <a:lnRef idx="2">
-            <a:schemeClr val="accent1">
-              <a:shade val="50000"/>
-            </a:schemeClr>
-          </a:lnRef>
-          <a:fillRef idx="1">
-            <a:schemeClr val="accent1"/>
-          </a:fillRef>
-          <a:effectRef idx="0">
-            <a:schemeClr val="accent1"/>
-          </a:effectRef>
-          <a:fontRef idx="minor">
-            <a:schemeClr val="lt1"/>
-          </a:fontRef>
-        </p:style>
-        <p:txBody>
-          <a:bodyPr rtlCol="0" anchor="ctr"/>
-          <a:lstStyle/>
-          <a:p>
-            <a:pPr algn="ctr" rtl="0"/>
-            <a:endParaRPr lang="de-DE"/>
-          </a:p>
-        </p:txBody>
-      </p:sp>
-      <p:sp>
-        <p:nvSpPr>
-          <p:cNvPr id="4" name="Titel 3">
-            <a:extLst>
-              <a:ext uri="{FF2B5EF4-FFF2-40B4-BE49-F238E27FC236}">
-                <a16:creationId xmlns:a16="http://schemas.microsoft.com/office/drawing/2014/main" id="{16300B5C-7AD0-42EE-A289-DB61F249073A}"/>
-              </a:ext>
-            </a:extLst>
-          </p:cNvPr>
-          <p:cNvSpPr>
-            <a:spLocks noGrp="1"/>
-          </p:cNvSpPr>
-          <p:nvPr>
-            <p:ph type="title"/>
-          </p:nvPr>
-        </p:nvSpPr>
-        <p:spPr/>
-        <p:txBody>
-          <a:bodyPr rtlCol="0">
-            <a:normAutofit/>
-          </a:bodyPr>
-          <a:lstStyle/>
-          <a:p>
-            <a:pPr rtl="0"/>
-            <a:r>
-              <a:rPr lang="de-DE" sz="4800" spc="300"/>
-              <a:t>quartalsweise</a:t>
-            </a:r>
-            <a:r>
-              <a:rPr lang="de-DE" sz="4800"/>
-              <a:t> Zeitachse</a:t>
-            </a:r>
-          </a:p>
-        </p:txBody>
-      </p:sp>
-      <p:graphicFrame>
-        <p:nvGraphicFramePr>
-          <p:cNvPr id="7" name="Tabelle 7">
-            <a:extLst>
-              <a:ext uri="{FF2B5EF4-FFF2-40B4-BE49-F238E27FC236}">
-                <a16:creationId xmlns:a16="http://schemas.microsoft.com/office/drawing/2014/main" id="{B1897641-C811-4117-B9B9-5EE41B5A3203}"/>
-              </a:ext>
-            </a:extLst>
-          </p:cNvPr>
-          <p:cNvGraphicFramePr>
-            <a:graphicFrameLocks noGrp="1"/>
-          </p:cNvGraphicFramePr>
-          <p:nvPr>
-            <p:extLst>
-              <p:ext uri="{D42A27DB-BD31-4B8C-83A1-F6EECF244321}">
-                <p14:modId xmlns:p14="http://schemas.microsoft.com/office/powerpoint/2010/main" val="155862801"/>
-              </p:ext>
-            </p:extLst>
-          </p:nvPr>
-        </p:nvGraphicFramePr>
-        <p:xfrm>
-          <a:off x="681249" y="2400407"/>
-          <a:ext cx="10827912" cy="2871216"/>
-        </p:xfrm>
-        <a:graphic>
-          <a:graphicData uri="http://schemas.openxmlformats.org/drawingml/2006/table">
-            <a:tbl>
-              <a:tblPr firstRow="1" bandRow="1">
-                <a:tableStyleId>{5C22544A-7EE6-4342-B048-85BDC9FD1C3A}</a:tableStyleId>
-              </a:tblPr>
-              <a:tblGrid>
-                <a:gridCol w="902326">
-                  <a:extLst>
-                    <a:ext uri="{9D8B030D-6E8A-4147-A177-3AD203B41FA5}">
-                      <a16:colId xmlns:a16="http://schemas.microsoft.com/office/drawing/2014/main" val="711439747"/>
-                    </a:ext>
-                  </a:extLst>
-                </a:gridCol>
-                <a:gridCol w="902326">
-                  <a:extLst>
-                    <a:ext uri="{9D8B030D-6E8A-4147-A177-3AD203B41FA5}">
-                      <a16:colId xmlns:a16="http://schemas.microsoft.com/office/drawing/2014/main" val="3789717619"/>
-                    </a:ext>
-                  </a:extLst>
-                </a:gridCol>
-                <a:gridCol w="902326">
-                  <a:extLst>
-                    <a:ext uri="{9D8B030D-6E8A-4147-A177-3AD203B41FA5}">
-                      <a16:colId xmlns:a16="http://schemas.microsoft.com/office/drawing/2014/main" val="2607839798"/>
-                    </a:ext>
-                  </a:extLst>
-                </a:gridCol>
-                <a:gridCol w="902326">
-                  <a:extLst>
-                    <a:ext uri="{9D8B030D-6E8A-4147-A177-3AD203B41FA5}">
-                      <a16:colId xmlns:a16="http://schemas.microsoft.com/office/drawing/2014/main" val="1769144258"/>
-                    </a:ext>
-                  </a:extLst>
-                </a:gridCol>
-                <a:gridCol w="902326">
-                  <a:extLst>
-                    <a:ext uri="{9D8B030D-6E8A-4147-A177-3AD203B41FA5}">
-                      <a16:colId xmlns:a16="http://schemas.microsoft.com/office/drawing/2014/main" val="1537907298"/>
-                    </a:ext>
-                  </a:extLst>
-                </a:gridCol>
-                <a:gridCol w="902326">
-                  <a:extLst>
-                    <a:ext uri="{9D8B030D-6E8A-4147-A177-3AD203B41FA5}">
-                      <a16:colId xmlns:a16="http://schemas.microsoft.com/office/drawing/2014/main" val="1920672763"/>
-                    </a:ext>
-                  </a:extLst>
-                </a:gridCol>
-                <a:gridCol w="902326">
-                  <a:extLst>
-                    <a:ext uri="{9D8B030D-6E8A-4147-A177-3AD203B41FA5}">
-                      <a16:colId xmlns:a16="http://schemas.microsoft.com/office/drawing/2014/main" val="1217148694"/>
-                    </a:ext>
-                  </a:extLst>
-                </a:gridCol>
-                <a:gridCol w="902326">
-                  <a:extLst>
-                    <a:ext uri="{9D8B030D-6E8A-4147-A177-3AD203B41FA5}">
-                      <a16:colId xmlns:a16="http://schemas.microsoft.com/office/drawing/2014/main" val="247395267"/>
-                    </a:ext>
-                  </a:extLst>
-                </a:gridCol>
-                <a:gridCol w="902326">
-                  <a:extLst>
-                    <a:ext uri="{9D8B030D-6E8A-4147-A177-3AD203B41FA5}">
-                      <a16:colId xmlns:a16="http://schemas.microsoft.com/office/drawing/2014/main" val="1231269635"/>
-                    </a:ext>
-                  </a:extLst>
-                </a:gridCol>
-                <a:gridCol w="902326">
-                  <a:extLst>
-                    <a:ext uri="{9D8B030D-6E8A-4147-A177-3AD203B41FA5}">
-                      <a16:colId xmlns:a16="http://schemas.microsoft.com/office/drawing/2014/main" val="3587985154"/>
-                    </a:ext>
-                  </a:extLst>
-                </a:gridCol>
-                <a:gridCol w="902326">
-                  <a:extLst>
-                    <a:ext uri="{9D8B030D-6E8A-4147-A177-3AD203B41FA5}">
-                      <a16:colId xmlns:a16="http://schemas.microsoft.com/office/drawing/2014/main" val="3023193756"/>
-                    </a:ext>
-                  </a:extLst>
-                </a:gridCol>
-                <a:gridCol w="902326">
-                  <a:extLst>
-                    <a:ext uri="{9D8B030D-6E8A-4147-A177-3AD203B41FA5}">
-                      <a16:colId xmlns:a16="http://schemas.microsoft.com/office/drawing/2014/main" val="1420336204"/>
-                    </a:ext>
-                  </a:extLst>
-                </a:gridCol>
-              </a:tblGrid>
-              <a:tr h="585216">
-                <a:tc gridSpan="3">
-                  <a:txBody>
-                    <a:bodyPr/>
-                    <a:lstStyle/>
-                    <a:p>
-                      <a:pPr algn="ctr" rtl="0"/>
-                      <a:r>
-                        <a:rPr lang="de-DE" noProof="0"/>
-                        <a:t>Q1</a:t>
-                      </a:r>
-                    </a:p>
-                  </a:txBody>
-                  <a:tcPr anchor="ctr">
-                    <a:lnL w="12700" cmpd="sng">
-                      <a:noFill/>
-                    </a:lnL>
-                    <a:lnR w="12700" cmpd="sng">
-                      <a:noFill/>
-                    </a:lnR>
-                    <a:lnT w="12700" cmpd="sng">
-                      <a:noFill/>
-                    </a:lnT>
-                    <a:lnB w="38100" cmpd="sng">
-                      <a:noFill/>
-                    </a:lnB>
-                    <a:lnTlToBr w="12700" cmpd="sng">
-                      <a:noFill/>
-                      <a:prstDash val="solid"/>
-                    </a:lnTlToBr>
-                    <a:lnBlToTr w="12700" cmpd="sng">
-                      <a:noFill/>
-                      <a:prstDash val="solid"/>
-                    </a:lnBlToTr>
-                    <a:noFill/>
-                  </a:tcPr>
-                </a:tc>
-                <a:tc hMerge="1">
-                  <a:txBody>
-                    <a:bodyPr/>
-                    <a:lstStyle/>
-                    <a:p>
-                      <a:pPr rtl="0"/>
-                      <a:endParaRPr lang="en-US" dirty="0"/>
-                    </a:p>
-                  </a:txBody>
-                  <a:tcPr/>
-                </a:tc>
-                <a:tc hMerge="1">
-                  <a:txBody>
-                    <a:bodyPr/>
-                    <a:lstStyle/>
-                    <a:p>
-                      <a:pPr rtl="0"/>
-                      <a:endParaRPr lang="en-US" dirty="0"/>
-                    </a:p>
-                  </a:txBody>
-                  <a:tcPr/>
-                </a:tc>
-                <a:tc gridSpan="3">
-                  <a:txBody>
-                    <a:bodyPr/>
-                    <a:lstStyle/>
-                    <a:p>
-                      <a:pPr algn="ctr" rtl="0"/>
-                      <a:r>
-                        <a:rPr lang="de-DE" noProof="0"/>
-                        <a:t>Q2</a:t>
-                      </a:r>
-                    </a:p>
-                  </a:txBody>
-                  <a:tcPr anchor="ctr">
-                    <a:lnL w="12700" cmpd="sng">
-                      <a:noFill/>
-                    </a:lnL>
-                    <a:lnR w="12700" cmpd="sng">
-                      <a:noFill/>
-                    </a:lnR>
-                    <a:lnT w="12700" cmpd="sng">
-                      <a:noFill/>
-                    </a:lnT>
-                    <a:lnB w="38100" cmpd="sng">
-                      <a:noFill/>
-                    </a:lnB>
-                    <a:lnTlToBr w="12700" cmpd="sng">
-                      <a:noFill/>
-                      <a:prstDash val="solid"/>
-                    </a:lnTlToBr>
-                    <a:lnBlToTr w="12700" cmpd="sng">
-                      <a:noFill/>
-                      <a:prstDash val="solid"/>
-                    </a:lnBlToTr>
-                    <a:noFill/>
-                  </a:tcPr>
-                </a:tc>
-                <a:tc hMerge="1">
-                  <a:txBody>
-                    <a:bodyPr/>
-                    <a:lstStyle/>
-                    <a:p>
-                      <a:pPr rtl="0"/>
-                      <a:endParaRPr lang="en-US" dirty="0"/>
-                    </a:p>
-                  </a:txBody>
-                  <a:tcPr/>
-                </a:tc>
-                <a:tc hMerge="1">
-                  <a:txBody>
-                    <a:bodyPr/>
-                    <a:lstStyle/>
-                    <a:p>
-                      <a:pPr rtl="0"/>
-                      <a:endParaRPr lang="en-US" dirty="0"/>
-                    </a:p>
-                  </a:txBody>
-                  <a:tcPr/>
-                </a:tc>
-                <a:tc gridSpan="3">
-                  <a:txBody>
-                    <a:bodyPr/>
-                    <a:lstStyle/>
-                    <a:p>
-                      <a:pPr algn="ctr" rtl="0"/>
-                      <a:r>
-                        <a:rPr lang="de-DE" noProof="0"/>
-                        <a:t>Q3</a:t>
-                      </a:r>
-                    </a:p>
-                  </a:txBody>
-                  <a:tcPr anchor="ctr">
-                    <a:lnL w="12700" cmpd="sng">
-                      <a:noFill/>
-                    </a:lnL>
-                    <a:lnR w="12700" cmpd="sng">
-                      <a:noFill/>
-                    </a:lnR>
-                    <a:lnT w="12700" cmpd="sng">
-                      <a:noFill/>
-                    </a:lnT>
-                    <a:lnB w="38100" cmpd="sng">
-                      <a:noFill/>
-                    </a:lnB>
-                    <a:lnTlToBr w="12700" cmpd="sng">
-                      <a:noFill/>
-                      <a:prstDash val="solid"/>
-                    </a:lnTlToBr>
-                    <a:lnBlToTr w="12700" cmpd="sng">
-                      <a:noFill/>
-                      <a:prstDash val="solid"/>
-                    </a:lnBlToTr>
-                    <a:noFill/>
-                  </a:tcPr>
-                </a:tc>
-                <a:tc hMerge="1">
-                  <a:txBody>
-                    <a:bodyPr/>
-                    <a:lstStyle/>
-                    <a:p>
-                      <a:pPr rtl="0"/>
-                      <a:endParaRPr lang="en-US" dirty="0"/>
-                    </a:p>
-                  </a:txBody>
-                  <a:tcPr/>
-                </a:tc>
-                <a:tc hMerge="1">
-                  <a:txBody>
-                    <a:bodyPr/>
-                    <a:lstStyle/>
-                    <a:p>
-                      <a:pPr rtl="0"/>
-                      <a:endParaRPr lang="en-US" dirty="0"/>
-                    </a:p>
-                  </a:txBody>
-                  <a:tcPr/>
-                </a:tc>
-                <a:tc gridSpan="3">
-                  <a:txBody>
-                    <a:bodyPr/>
-                    <a:lstStyle/>
-                    <a:p>
-                      <a:pPr algn="ctr" rtl="0"/>
-                      <a:r>
-                        <a:rPr lang="de-DE" noProof="0"/>
-                        <a:t>Q4</a:t>
-                      </a:r>
-                    </a:p>
-                  </a:txBody>
-                  <a:tcPr anchor="ctr">
-                    <a:lnL w="12700" cmpd="sng">
-                      <a:noFill/>
-                    </a:lnL>
-                    <a:lnR w="12700" cmpd="sng">
-                      <a:noFill/>
-                    </a:lnR>
-                    <a:lnT w="12700" cmpd="sng">
-                      <a:noFill/>
-                    </a:lnT>
-                    <a:lnB w="38100" cmpd="sng">
-                      <a:noFill/>
-                    </a:lnB>
-                    <a:lnTlToBr w="12700" cmpd="sng">
-                      <a:noFill/>
-                      <a:prstDash val="solid"/>
-                    </a:lnTlToBr>
-                    <a:lnBlToTr w="12700" cmpd="sng">
-                      <a:noFill/>
-                      <a:prstDash val="solid"/>
-                    </a:lnBlToTr>
-                    <a:noFill/>
-                  </a:tcPr>
-                </a:tc>
-                <a:tc hMerge="1">
-                  <a:txBody>
-                    <a:bodyPr/>
-                    <a:lstStyle/>
-                    <a:p>
-                      <a:pPr rtl="0"/>
-                      <a:endParaRPr lang="en-US" dirty="0"/>
-                    </a:p>
-                  </a:txBody>
-                  <a:tcPr/>
-                </a:tc>
-                <a:tc hMerge="1">
-                  <a:txBody>
-                    <a:bodyPr/>
-                    <a:lstStyle/>
-                    <a:p>
-                      <a:pPr rtl="0"/>
-                      <a:endParaRPr lang="en-US" dirty="0"/>
-                    </a:p>
-                  </a:txBody>
-                  <a:tcPr/>
-                </a:tc>
-                <a:extLst>
-                  <a:ext uri="{0D108BD9-81ED-4DB2-BD59-A6C34878D82A}">
-                    <a16:rowId xmlns:a16="http://schemas.microsoft.com/office/drawing/2014/main" val="3925291448"/>
-                  </a:ext>
-                </a:extLst>
-              </a:tr>
-              <a:tr h="640080">
-                <a:tc>
-                  <a:txBody>
-                    <a:bodyPr/>
-                    <a:lstStyle/>
-                    <a:p>
-                      <a:pPr algn="ctr" rtl="0"/>
-                      <a:r>
-                        <a:rPr lang="de-DE" sz="1800" spc="300" noProof="0">
-                          <a:solidFill>
-                            <a:schemeClr val="tx1"/>
-                          </a:solidFill>
-                        </a:rPr>
-                        <a:t>JUL</a:t>
-                      </a:r>
-                    </a:p>
-                  </a:txBody>
-                  <a:tcPr anchor="ctr">
-                    <a:lnL w="12700" cmpd="sng">
-                      <a:noFill/>
-                    </a:lnL>
-                    <a:lnR w="12700" cmpd="sng">
-                      <a:noFill/>
-                    </a:lnR>
-                    <a:lnT w="38100" cmpd="sng">
-                      <a:noFill/>
-                    </a:lnT>
-                    <a:lnB w="3175" cap="flat" cmpd="sng" algn="ctr">
-                      <a:solidFill>
-                        <a:schemeClr val="bg2">
-                          <a:lumMod val="50000"/>
-                        </a:schemeClr>
-                      </a:solidFill>
-                      <a:prstDash val="solid"/>
-                      <a:round/>
-                      <a:headEnd type="none" w="med" len="med"/>
-                      <a:tailEnd type="none" w="med" len="med"/>
-                    </a:lnB>
-                    <a:lnTlToBr w="12700" cmpd="sng">
-                      <a:noFill/>
-                      <a:prstDash val="solid"/>
-                    </a:lnTlToBr>
-                    <a:lnBlToTr w="12700" cmpd="sng">
-                      <a:noFill/>
-                      <a:prstDash val="solid"/>
-                    </a:lnBlToTr>
-                    <a:noFill/>
-                  </a:tcPr>
-                </a:tc>
-                <a:tc>
-                  <a:txBody>
-                    <a:bodyPr/>
-                    <a:lstStyle/>
-                    <a:p>
-                      <a:pPr algn="ctr" rtl="0"/>
-                      <a:r>
-                        <a:rPr lang="de-DE" sz="1800" spc="300" noProof="0">
-                          <a:solidFill>
-                            <a:schemeClr val="tx1"/>
-                          </a:solidFill>
-                        </a:rPr>
-                        <a:t>AUG</a:t>
-                      </a:r>
-                    </a:p>
-                  </a:txBody>
-                  <a:tcPr anchor="ctr">
-                    <a:lnL w="12700" cmpd="sng">
-                      <a:noFill/>
-                    </a:lnL>
-                    <a:lnR w="12700" cmpd="sng">
-                      <a:noFill/>
-                    </a:lnR>
-                    <a:lnT w="38100" cmpd="sng">
-                      <a:noFill/>
-                    </a:lnT>
-                    <a:lnB w="3175" cap="flat" cmpd="sng" algn="ctr">
-                      <a:solidFill>
-                        <a:schemeClr val="bg2">
-                          <a:lumMod val="50000"/>
-                        </a:schemeClr>
-                      </a:solidFill>
-                      <a:prstDash val="solid"/>
-                      <a:round/>
-                      <a:headEnd type="none" w="med" len="med"/>
-                      <a:tailEnd type="none" w="med" len="med"/>
-                    </a:lnB>
-                    <a:lnTlToBr w="12700" cmpd="sng">
-                      <a:noFill/>
-                      <a:prstDash val="solid"/>
-                    </a:lnTlToBr>
-                    <a:lnBlToTr w="12700" cmpd="sng">
-                      <a:noFill/>
-                      <a:prstDash val="solid"/>
-                    </a:lnBlToTr>
-                    <a:noFill/>
-                  </a:tcPr>
-                </a:tc>
-                <a:tc>
-                  <a:txBody>
-                    <a:bodyPr/>
-                    <a:lstStyle/>
-                    <a:p>
-                      <a:pPr algn="ctr" rtl="0"/>
-                      <a:r>
-                        <a:rPr lang="de-DE" sz="1800" spc="300" noProof="0">
-                          <a:solidFill>
-                            <a:schemeClr val="tx1"/>
-                          </a:solidFill>
-                        </a:rPr>
-                        <a:t>SEP</a:t>
-                      </a:r>
-                    </a:p>
-                  </a:txBody>
-                  <a:tcPr anchor="ctr">
-                    <a:lnL w="12700" cmpd="sng">
-                      <a:noFill/>
-                    </a:lnL>
-                    <a:lnR w="3175" cap="flat" cmpd="sng" algn="ctr">
-                      <a:solidFill>
-                        <a:schemeClr val="bg2">
-                          <a:lumMod val="50000"/>
-                        </a:schemeClr>
-                      </a:solidFill>
-                      <a:prstDash val="solid"/>
-                      <a:round/>
-                      <a:headEnd type="none" w="med" len="med"/>
-                      <a:tailEnd type="none" w="med" len="med"/>
-                    </a:lnR>
-                    <a:lnT w="38100" cmpd="sng">
-                      <a:noFill/>
-                    </a:lnT>
-                    <a:lnB w="3175" cap="flat" cmpd="sng" algn="ctr">
-                      <a:solidFill>
-                        <a:schemeClr val="bg2">
-                          <a:lumMod val="50000"/>
-                        </a:schemeClr>
-                      </a:solidFill>
-                      <a:prstDash val="solid"/>
-                      <a:round/>
-                      <a:headEnd type="none" w="med" len="med"/>
-                      <a:tailEnd type="none" w="med" len="med"/>
-                    </a:lnB>
-                    <a:lnTlToBr w="12700" cmpd="sng">
-                      <a:noFill/>
-                      <a:prstDash val="solid"/>
-                    </a:lnTlToBr>
-                    <a:lnBlToTr w="12700" cmpd="sng">
-                      <a:noFill/>
-                      <a:prstDash val="solid"/>
-                    </a:lnBlToTr>
-                    <a:noFill/>
-                  </a:tcPr>
-                </a:tc>
-                <a:tc>
-                  <a:txBody>
-                    <a:bodyPr/>
-                    <a:lstStyle/>
-                    <a:p>
-                      <a:pPr algn="ctr" rtl="0"/>
-                      <a:r>
-                        <a:rPr lang="de-DE" sz="1800" spc="300" noProof="0">
-                          <a:solidFill>
-                            <a:schemeClr val="tx1"/>
-                          </a:solidFill>
-                        </a:rPr>
-                        <a:t>OKT</a:t>
-                      </a:r>
-                    </a:p>
-                  </a:txBody>
-                  <a:tcPr anchor="ctr">
-                    <a:lnL w="3175" cap="flat" cmpd="sng" algn="ctr">
-                      <a:solidFill>
-                        <a:schemeClr val="bg2">
-                          <a:lumMod val="50000"/>
-                        </a:schemeClr>
-                      </a:solidFill>
-                      <a:prstDash val="solid"/>
-                      <a:round/>
-                      <a:headEnd type="none" w="med" len="med"/>
-                      <a:tailEnd type="none" w="med" len="med"/>
-                    </a:lnL>
-                    <a:lnR w="12700" cmpd="sng">
-                      <a:noFill/>
-                    </a:lnR>
-                    <a:lnT w="38100" cmpd="sng">
-                      <a:noFill/>
-                    </a:lnT>
-                    <a:lnB w="3175" cap="flat" cmpd="sng" algn="ctr">
-                      <a:solidFill>
-                        <a:schemeClr val="bg2">
-                          <a:lumMod val="50000"/>
-                        </a:schemeClr>
-                      </a:solidFill>
-                      <a:prstDash val="solid"/>
-                      <a:round/>
-                      <a:headEnd type="none" w="med" len="med"/>
-                      <a:tailEnd type="none" w="med" len="med"/>
-                    </a:lnB>
-                    <a:lnTlToBr w="12700" cmpd="sng">
-                      <a:noFill/>
-                      <a:prstDash val="solid"/>
-                    </a:lnTlToBr>
-                    <a:lnBlToTr w="12700" cmpd="sng">
-                      <a:noFill/>
-                      <a:prstDash val="solid"/>
-                    </a:lnBlToTr>
-                    <a:noFill/>
-                  </a:tcPr>
-                </a:tc>
-                <a:tc>
-                  <a:txBody>
-                    <a:bodyPr/>
-                    <a:lstStyle/>
-                    <a:p>
-                      <a:pPr algn="ctr" rtl="0"/>
-                      <a:r>
-                        <a:rPr lang="de-DE" sz="1800" spc="300" noProof="0">
-                          <a:solidFill>
-                            <a:schemeClr val="tx1"/>
-                          </a:solidFill>
-                        </a:rPr>
-                        <a:t>NOV</a:t>
-                      </a:r>
-                    </a:p>
-                  </a:txBody>
-                  <a:tcPr anchor="ctr">
-                    <a:lnL w="12700" cmpd="sng">
-                      <a:noFill/>
-                    </a:lnL>
-                    <a:lnR w="12700" cmpd="sng">
-                      <a:noFill/>
-                    </a:lnR>
-                    <a:lnT w="38100" cmpd="sng">
-                      <a:noFill/>
-                    </a:lnT>
-                    <a:lnB w="3175" cap="flat" cmpd="sng" algn="ctr">
-                      <a:solidFill>
-                        <a:schemeClr val="bg2">
-                          <a:lumMod val="50000"/>
-                        </a:schemeClr>
-                      </a:solidFill>
-                      <a:prstDash val="solid"/>
-                      <a:round/>
-                      <a:headEnd type="none" w="med" len="med"/>
-                      <a:tailEnd type="none" w="med" len="med"/>
-                    </a:lnB>
-                    <a:lnTlToBr w="12700" cmpd="sng">
-                      <a:noFill/>
-                      <a:prstDash val="solid"/>
-                    </a:lnTlToBr>
-                    <a:lnBlToTr w="12700" cmpd="sng">
-                      <a:noFill/>
-                      <a:prstDash val="solid"/>
-                    </a:lnBlToTr>
-                    <a:noFill/>
-                  </a:tcPr>
-                </a:tc>
-                <a:tc>
-                  <a:txBody>
-                    <a:bodyPr/>
-                    <a:lstStyle/>
-                    <a:p>
-                      <a:pPr algn="ctr" rtl="0"/>
-                      <a:r>
-                        <a:rPr lang="de-DE" sz="1800" spc="300" noProof="0">
-                          <a:solidFill>
-                            <a:schemeClr val="tx1"/>
-                          </a:solidFill>
-                        </a:rPr>
-                        <a:t>DEZ</a:t>
-                      </a:r>
-                    </a:p>
-                  </a:txBody>
-                  <a:tcPr anchor="ctr">
-                    <a:lnL w="12700" cmpd="sng">
-                      <a:noFill/>
-                    </a:lnL>
-                    <a:lnR w="3175" cap="flat" cmpd="sng" algn="ctr">
-                      <a:solidFill>
-                        <a:schemeClr val="bg2">
-                          <a:lumMod val="50000"/>
-                        </a:schemeClr>
-                      </a:solidFill>
-                      <a:prstDash val="solid"/>
-                      <a:round/>
-                      <a:headEnd type="none" w="med" len="med"/>
-                      <a:tailEnd type="none" w="med" len="med"/>
-                    </a:lnR>
-                    <a:lnT w="38100" cmpd="sng">
-                      <a:noFill/>
-                    </a:lnT>
-                    <a:lnB w="3175" cap="flat" cmpd="sng" algn="ctr">
-                      <a:solidFill>
-                        <a:schemeClr val="bg2">
-                          <a:lumMod val="50000"/>
-                        </a:schemeClr>
-                      </a:solidFill>
-                      <a:prstDash val="solid"/>
-                      <a:round/>
-                      <a:headEnd type="none" w="med" len="med"/>
-                      <a:tailEnd type="none" w="med" len="med"/>
-                    </a:lnB>
-                    <a:lnTlToBr w="12700" cmpd="sng">
-                      <a:noFill/>
-                      <a:prstDash val="solid"/>
-                    </a:lnTlToBr>
-                    <a:lnBlToTr w="12700" cmpd="sng">
-                      <a:noFill/>
-                      <a:prstDash val="solid"/>
-                    </a:lnBlToTr>
-                    <a:noFill/>
-                  </a:tcPr>
-                </a:tc>
-                <a:tc>
-                  <a:txBody>
-                    <a:bodyPr/>
-                    <a:lstStyle/>
-                    <a:p>
-                      <a:pPr algn="ctr" rtl="0"/>
-                      <a:r>
-                        <a:rPr lang="de-DE" sz="1800" spc="300" noProof="0">
-                          <a:solidFill>
-                            <a:schemeClr val="tx1"/>
-                          </a:solidFill>
-                        </a:rPr>
-                        <a:t>JAN</a:t>
-                      </a:r>
-                    </a:p>
-                  </a:txBody>
-                  <a:tcPr anchor="ctr">
-                    <a:lnL w="3175" cap="flat" cmpd="sng" algn="ctr">
-                      <a:solidFill>
-                        <a:schemeClr val="bg2">
-                          <a:lumMod val="50000"/>
-                        </a:schemeClr>
-                      </a:solidFill>
-                      <a:prstDash val="solid"/>
-                      <a:round/>
-                      <a:headEnd type="none" w="med" len="med"/>
-                      <a:tailEnd type="none" w="med" len="med"/>
-                    </a:lnL>
-                    <a:lnR w="12700" cmpd="sng">
-                      <a:noFill/>
-                    </a:lnR>
-                    <a:lnT w="38100" cmpd="sng">
-                      <a:noFill/>
-                    </a:lnT>
-                    <a:lnB w="3175" cap="flat" cmpd="sng" algn="ctr">
-                      <a:solidFill>
-                        <a:schemeClr val="bg2">
-                          <a:lumMod val="50000"/>
-                        </a:schemeClr>
-                      </a:solidFill>
-                      <a:prstDash val="solid"/>
-                      <a:round/>
-                      <a:headEnd type="none" w="med" len="med"/>
-                      <a:tailEnd type="none" w="med" len="med"/>
-                    </a:lnB>
-                    <a:lnTlToBr w="12700" cmpd="sng">
-                      <a:noFill/>
-                      <a:prstDash val="solid"/>
-                    </a:lnTlToBr>
-                    <a:lnBlToTr w="12700" cmpd="sng">
-                      <a:noFill/>
-                      <a:prstDash val="solid"/>
-                    </a:lnBlToTr>
-                    <a:noFill/>
-                  </a:tcPr>
-                </a:tc>
-                <a:tc>
-                  <a:txBody>
-                    <a:bodyPr/>
-                    <a:lstStyle/>
-                    <a:p>
-                      <a:pPr algn="ctr" rtl="0"/>
-                      <a:r>
-                        <a:rPr lang="de-DE" sz="1800" spc="300" noProof="0">
-                          <a:solidFill>
-                            <a:schemeClr val="tx1"/>
-                          </a:solidFill>
-                        </a:rPr>
-                        <a:t>FEB</a:t>
-                      </a:r>
-                    </a:p>
-                  </a:txBody>
-                  <a:tcPr anchor="ctr">
-                    <a:lnL w="12700" cmpd="sng">
-                      <a:noFill/>
-                    </a:lnL>
-                    <a:lnR w="12700" cmpd="sng">
-                      <a:noFill/>
-                    </a:lnR>
-                    <a:lnT w="38100" cmpd="sng">
-                      <a:noFill/>
-                    </a:lnT>
-                    <a:lnB w="3175" cap="flat" cmpd="sng" algn="ctr">
-                      <a:solidFill>
-                        <a:schemeClr val="bg2">
-                          <a:lumMod val="50000"/>
-                        </a:schemeClr>
-                      </a:solidFill>
-                      <a:prstDash val="solid"/>
-                      <a:round/>
-                      <a:headEnd type="none" w="med" len="med"/>
-                      <a:tailEnd type="none" w="med" len="med"/>
-                    </a:lnB>
-                    <a:lnTlToBr w="12700" cmpd="sng">
-                      <a:noFill/>
-                      <a:prstDash val="solid"/>
-                    </a:lnTlToBr>
-                    <a:lnBlToTr w="12700" cmpd="sng">
-                      <a:noFill/>
-                      <a:prstDash val="solid"/>
-                    </a:lnBlToTr>
-                    <a:noFill/>
-                  </a:tcPr>
-                </a:tc>
-                <a:tc>
-                  <a:txBody>
-                    <a:bodyPr/>
-                    <a:lstStyle/>
-                    <a:p>
-                      <a:pPr algn="ctr" rtl="0"/>
-                      <a:r>
-                        <a:rPr lang="de-DE" sz="1800" spc="300" noProof="0">
-                          <a:solidFill>
-                            <a:schemeClr val="tx1"/>
-                          </a:solidFill>
-                        </a:rPr>
-                        <a:t>MRZ</a:t>
-                      </a:r>
-                    </a:p>
-                  </a:txBody>
-                  <a:tcPr anchor="ctr">
-                    <a:lnL w="12700" cmpd="sng">
-                      <a:noFill/>
-                    </a:lnL>
-                    <a:lnR w="3175" cap="flat" cmpd="sng" algn="ctr">
-                      <a:solidFill>
-                        <a:schemeClr val="bg2">
-                          <a:lumMod val="50000"/>
-                        </a:schemeClr>
-                      </a:solidFill>
-                      <a:prstDash val="solid"/>
-                      <a:round/>
-                      <a:headEnd type="none" w="med" len="med"/>
-                      <a:tailEnd type="none" w="med" len="med"/>
-                    </a:lnR>
-                    <a:lnT w="38100" cmpd="sng">
-                      <a:noFill/>
-                    </a:lnT>
-                    <a:lnB w="3175" cap="flat" cmpd="sng" algn="ctr">
-                      <a:solidFill>
-                        <a:schemeClr val="bg2">
-                          <a:lumMod val="50000"/>
-                        </a:schemeClr>
-                      </a:solidFill>
-                      <a:prstDash val="solid"/>
-                      <a:round/>
-                      <a:headEnd type="none" w="med" len="med"/>
-                      <a:tailEnd type="none" w="med" len="med"/>
-                    </a:lnB>
-                    <a:lnTlToBr w="12700" cmpd="sng">
-                      <a:noFill/>
-                      <a:prstDash val="solid"/>
-                    </a:lnTlToBr>
-                    <a:lnBlToTr w="12700" cmpd="sng">
-                      <a:noFill/>
-                      <a:prstDash val="solid"/>
-                    </a:lnBlToTr>
-                    <a:noFill/>
-                  </a:tcPr>
-                </a:tc>
-                <a:tc>
-                  <a:txBody>
-                    <a:bodyPr/>
-                    <a:lstStyle/>
-                    <a:p>
-                      <a:pPr algn="ctr" rtl="0"/>
-                      <a:r>
-                        <a:rPr lang="de-DE" sz="1800" spc="300" noProof="0">
-                          <a:solidFill>
-                            <a:schemeClr val="tx1"/>
-                          </a:solidFill>
-                        </a:rPr>
-                        <a:t>APR</a:t>
-                      </a:r>
-                    </a:p>
-                  </a:txBody>
-                  <a:tcPr anchor="ctr">
-                    <a:lnL w="3175" cap="flat" cmpd="sng" algn="ctr">
-                      <a:solidFill>
-                        <a:schemeClr val="bg2">
-                          <a:lumMod val="50000"/>
-                        </a:schemeClr>
-                      </a:solidFill>
-                      <a:prstDash val="solid"/>
-                      <a:round/>
-                      <a:headEnd type="none" w="med" len="med"/>
-                      <a:tailEnd type="none" w="med" len="med"/>
-                    </a:lnL>
-                    <a:lnR w="12700" cmpd="sng">
-                      <a:noFill/>
-                    </a:lnR>
-                    <a:lnT w="38100" cmpd="sng">
-                      <a:noFill/>
-                    </a:lnT>
-                    <a:lnB w="3175" cap="flat" cmpd="sng" algn="ctr">
-                      <a:solidFill>
-                        <a:schemeClr val="bg2">
-                          <a:lumMod val="50000"/>
-                        </a:schemeClr>
-                      </a:solidFill>
-                      <a:prstDash val="solid"/>
-                      <a:round/>
-                      <a:headEnd type="none" w="med" len="med"/>
-                      <a:tailEnd type="none" w="med" len="med"/>
-                    </a:lnB>
-                    <a:lnTlToBr w="12700" cmpd="sng">
-                      <a:noFill/>
-                      <a:prstDash val="solid"/>
-                    </a:lnTlToBr>
-                    <a:lnBlToTr w="12700" cmpd="sng">
-                      <a:noFill/>
-                      <a:prstDash val="solid"/>
-                    </a:lnBlToTr>
-                    <a:noFill/>
-                  </a:tcPr>
-                </a:tc>
-                <a:tc>
-                  <a:txBody>
-                    <a:bodyPr/>
-                    <a:lstStyle/>
-                    <a:p>
-                      <a:pPr algn="ctr" rtl="0"/>
-                      <a:r>
-                        <a:rPr lang="de-DE" sz="1800" spc="300" noProof="0">
-                          <a:solidFill>
-                            <a:schemeClr val="tx1"/>
-                          </a:solidFill>
-                        </a:rPr>
-                        <a:t>MAI</a:t>
-                      </a:r>
-                    </a:p>
-                  </a:txBody>
-                  <a:tcPr anchor="ctr">
-                    <a:lnL w="12700" cmpd="sng">
-                      <a:noFill/>
-                    </a:lnL>
-                    <a:lnR w="12700" cmpd="sng">
-                      <a:noFill/>
-                    </a:lnR>
-                    <a:lnT w="38100" cmpd="sng">
-                      <a:noFill/>
-                    </a:lnT>
-                    <a:lnB w="3175" cap="flat" cmpd="sng" algn="ctr">
-                      <a:solidFill>
-                        <a:schemeClr val="bg2">
-                          <a:lumMod val="50000"/>
-                        </a:schemeClr>
-                      </a:solidFill>
-                      <a:prstDash val="solid"/>
-                      <a:round/>
-                      <a:headEnd type="none" w="med" len="med"/>
-                      <a:tailEnd type="none" w="med" len="med"/>
-                    </a:lnB>
-                    <a:lnTlToBr w="12700" cmpd="sng">
-                      <a:noFill/>
-                      <a:prstDash val="solid"/>
-                    </a:lnTlToBr>
-                    <a:lnBlToTr w="12700" cmpd="sng">
-                      <a:noFill/>
-                      <a:prstDash val="solid"/>
-                    </a:lnBlToTr>
-                    <a:noFill/>
-                  </a:tcPr>
-                </a:tc>
-                <a:tc>
-                  <a:txBody>
-                    <a:bodyPr/>
-                    <a:lstStyle/>
-                    <a:p>
-                      <a:pPr algn="ctr" rtl="0"/>
-                      <a:r>
-                        <a:rPr lang="de-DE" sz="1800" spc="300" noProof="0">
-                          <a:solidFill>
-                            <a:schemeClr val="tx1"/>
-                          </a:solidFill>
-                        </a:rPr>
-                        <a:t>JUN</a:t>
-                      </a:r>
-                    </a:p>
-                  </a:txBody>
-                  <a:tcPr anchor="ctr">
-                    <a:lnL w="12700" cmpd="sng">
-                      <a:noFill/>
-                    </a:lnL>
-                    <a:lnR w="12700" cmpd="sng">
-                      <a:noFill/>
-                    </a:lnR>
-                    <a:lnT w="38100" cmpd="sng">
-                      <a:noFill/>
-                    </a:lnT>
-                    <a:lnB w="3175" cap="flat" cmpd="sng" algn="ctr">
-                      <a:solidFill>
-                        <a:schemeClr val="bg2">
-                          <a:lumMod val="50000"/>
-                        </a:schemeClr>
-                      </a:solidFill>
-                      <a:prstDash val="solid"/>
-                      <a:round/>
-                      <a:headEnd type="none" w="med" len="med"/>
-                      <a:tailEnd type="none" w="med" len="med"/>
-                    </a:lnB>
-                    <a:lnTlToBr w="12700" cmpd="sng">
-                      <a:noFill/>
-                      <a:prstDash val="solid"/>
-                    </a:lnTlToBr>
-                    <a:lnBlToTr w="12700" cmpd="sng">
-                      <a:noFill/>
-                      <a:prstDash val="solid"/>
-                    </a:lnBlToTr>
-                    <a:noFill/>
-                  </a:tcPr>
-                </a:tc>
-                <a:extLst>
-                  <a:ext uri="{0D108BD9-81ED-4DB2-BD59-A6C34878D82A}">
-                    <a16:rowId xmlns:a16="http://schemas.microsoft.com/office/drawing/2014/main" val="939761096"/>
-                  </a:ext>
-                </a:extLst>
-              </a:tr>
-              <a:tr h="1645920">
-                <a:tc gridSpan="3">
-                  <a:txBody>
-                    <a:bodyPr/>
-                    <a:lstStyle/>
-                    <a:p>
-                      <a:pPr algn="ctr" rtl="0">
-                        <a:lnSpc>
-                          <a:spcPct val="150000"/>
-                        </a:lnSpc>
-                      </a:pPr>
-                      <a:r>
-                        <a:rPr lang="de-DE" sz="1500" spc="300" noProof="0">
-                          <a:solidFill>
-                            <a:schemeClr val="tx1"/>
-                          </a:solidFill>
-                          <a:cs typeface="Biome Light" panose="020B0303030204020804" pitchFamily="34" charset="0"/>
-                        </a:rPr>
-                        <a:t>PRODUKTEINFÜHRUNG</a:t>
-                      </a:r>
-                    </a:p>
-                    <a:p>
-                      <a:pPr algn="ctr" rtl="0">
-                        <a:lnSpc>
-                          <a:spcPct val="100000"/>
-                        </a:lnSpc>
-                      </a:pPr>
-                      <a:r>
-                        <a:rPr lang="de-DE" sz="1400" b="0" i="0" u="none" strike="noStrike" noProof="0">
-                          <a:solidFill>
-                            <a:schemeClr val="tx1"/>
-                          </a:solidFill>
-                          <a:effectLst/>
-                          <a:cs typeface="Biome Light" panose="020B0303030204020804" pitchFamily="34" charset="0"/>
-                        </a:rPr>
-                        <a:t>Lorem ipsum dolor sit amet, consectetur adipiscing elit. Mauris vitae lorem id leo accumsan.</a:t>
-                      </a:r>
-                      <a:endParaRPr lang="de-DE" sz="1400" noProof="0">
-                        <a:solidFill>
-                          <a:schemeClr val="tx1"/>
-                        </a:solidFill>
-                        <a:cs typeface="Biome Light" panose="020B0303030204020804" pitchFamily="34" charset="0"/>
-                      </a:endParaRPr>
-                    </a:p>
-                  </a:txBody>
-                  <a:tcPr anchor="ctr">
-                    <a:lnL w="12700" cmpd="sng">
-                      <a:noFill/>
-                    </a:lnL>
-                    <a:lnR w="3175" cap="flat" cmpd="sng" algn="ctr">
-                      <a:solidFill>
-                        <a:schemeClr val="bg2">
-                          <a:lumMod val="50000"/>
-                        </a:schemeClr>
-                      </a:solidFill>
-                      <a:prstDash val="solid"/>
-                      <a:round/>
-                      <a:headEnd type="none" w="med" len="med"/>
-                      <a:tailEnd type="none" w="med" len="med"/>
-                    </a:lnR>
-                    <a:lnT w="3175" cap="flat" cmpd="sng" algn="ctr">
-                      <a:solidFill>
-                        <a:schemeClr val="bg2">
-                          <a:lumMod val="50000"/>
-                        </a:schemeClr>
-                      </a:solidFill>
-                      <a:prstDash val="solid"/>
-                      <a:round/>
-                      <a:headEnd type="none" w="med" len="med"/>
-                      <a:tailEnd type="none" w="med" len="med"/>
-                    </a:lnT>
-                    <a:lnB w="12700" cmpd="sng">
-                      <a:noFill/>
-                    </a:lnB>
-                    <a:lnTlToBr w="12700" cmpd="sng">
-                      <a:noFill/>
-                      <a:prstDash val="solid"/>
-                    </a:lnTlToBr>
-                    <a:lnBlToTr w="12700" cmpd="sng">
-                      <a:noFill/>
-                      <a:prstDash val="solid"/>
-                    </a:lnBlToTr>
-                    <a:noFill/>
-                  </a:tcPr>
-                </a:tc>
-                <a:tc hMerge="1">
-                  <a:txBody>
-                    <a:bodyPr/>
-                    <a:lstStyle/>
-                    <a:p>
-                      <a:pPr rtl="0"/>
-                      <a:endParaRPr lang="en-US" dirty="0"/>
-                    </a:p>
-                  </a:txBody>
-                  <a:tcPr/>
-                </a:tc>
-                <a:tc hMerge="1">
-                  <a:txBody>
-                    <a:bodyPr/>
-                    <a:lstStyle/>
-                    <a:p>
-                      <a:pPr rtl="0"/>
-                      <a:endParaRPr lang="en-US" dirty="0"/>
-                    </a:p>
-                  </a:txBody>
-                  <a:tcPr/>
-                </a:tc>
-                <a:tc gridSpan="3">
-                  <a:txBody>
-                    <a:bodyPr/>
-                    <a:lstStyle/>
-                    <a:p>
-                      <a:pPr algn="ctr" rtl="0">
-                        <a:lnSpc>
-                          <a:spcPct val="150000"/>
-                        </a:lnSpc>
-                      </a:pPr>
-                      <a:r>
-                        <a:rPr lang="de-DE" sz="1500" spc="300" noProof="0">
-                          <a:solidFill>
-                            <a:schemeClr val="tx1"/>
-                          </a:solidFill>
-                          <a:cs typeface="Biome Light" panose="020B0303030204020804" pitchFamily="34" charset="0"/>
-                        </a:rPr>
-                        <a:t>PRODUKTEINFÜHRUNG</a:t>
-                      </a:r>
-                    </a:p>
-                    <a:p>
-                      <a:pPr algn="ctr" rtl="0">
-                        <a:lnSpc>
-                          <a:spcPct val="100000"/>
-                        </a:lnSpc>
-                      </a:pPr>
-                      <a:r>
-                        <a:rPr lang="de-DE" sz="1400" b="0" i="0" u="none" strike="noStrike" noProof="0">
-                          <a:solidFill>
-                            <a:schemeClr val="tx1"/>
-                          </a:solidFill>
-                          <a:effectLst/>
-                          <a:cs typeface="Biome Light" panose="020B0303030204020804" pitchFamily="34" charset="0"/>
-                        </a:rPr>
-                        <a:t>Lorem ipsum dolor sit amet, consectetur adipiscing elit. Mauris vitae lorem id leo accumsan.</a:t>
-                      </a:r>
-                      <a:endParaRPr lang="de-DE" sz="1400" noProof="0">
-                        <a:solidFill>
-                          <a:schemeClr val="tx1"/>
-                        </a:solidFill>
-                        <a:cs typeface="Biome Light" panose="020B0303030204020804" pitchFamily="34" charset="0"/>
-                      </a:endParaRPr>
-                    </a:p>
-                  </a:txBody>
-                  <a:tcPr anchor="ctr">
-                    <a:lnL w="3175" cap="flat" cmpd="sng" algn="ctr">
-                      <a:solidFill>
-                        <a:schemeClr val="bg2">
-                          <a:lumMod val="50000"/>
-                        </a:schemeClr>
-                      </a:solidFill>
-                      <a:prstDash val="solid"/>
-                      <a:round/>
-                      <a:headEnd type="none" w="med" len="med"/>
-                      <a:tailEnd type="none" w="med" len="med"/>
-                    </a:lnL>
-                    <a:lnR w="3175" cap="flat" cmpd="sng" algn="ctr">
-                      <a:solidFill>
-                        <a:schemeClr val="bg2">
-                          <a:lumMod val="50000"/>
-                        </a:schemeClr>
-                      </a:solidFill>
-                      <a:prstDash val="solid"/>
-                      <a:round/>
-                      <a:headEnd type="none" w="med" len="med"/>
-                      <a:tailEnd type="none" w="med" len="med"/>
-                    </a:lnR>
-                    <a:lnT w="3175" cap="flat" cmpd="sng" algn="ctr">
-                      <a:solidFill>
-                        <a:schemeClr val="bg2">
-                          <a:lumMod val="50000"/>
-                        </a:schemeClr>
-                      </a:solidFill>
-                      <a:prstDash val="solid"/>
-                      <a:round/>
-                      <a:headEnd type="none" w="med" len="med"/>
-                      <a:tailEnd type="none" w="med" len="med"/>
-                    </a:lnT>
-                    <a:lnB w="12700" cmpd="sng">
-                      <a:noFill/>
-                    </a:lnB>
-                    <a:lnTlToBr w="12700" cmpd="sng">
-                      <a:noFill/>
-                      <a:prstDash val="solid"/>
-                    </a:lnTlToBr>
-                    <a:lnBlToTr w="12700" cmpd="sng">
-                      <a:noFill/>
-                      <a:prstDash val="solid"/>
-                    </a:lnBlToTr>
-                    <a:noFill/>
-                  </a:tcPr>
-                </a:tc>
-                <a:tc hMerge="1">
-                  <a:txBody>
-                    <a:bodyPr/>
-                    <a:lstStyle/>
-                    <a:p>
-                      <a:pPr rtl="0"/>
-                      <a:endParaRPr lang="en-US" dirty="0"/>
-                    </a:p>
-                  </a:txBody>
-                  <a:tcPr/>
-                </a:tc>
-                <a:tc hMerge="1">
-                  <a:txBody>
-                    <a:bodyPr/>
-                    <a:lstStyle/>
-                    <a:p>
-                      <a:pPr rtl="0"/>
-                      <a:endParaRPr lang="en-US" dirty="0"/>
-                    </a:p>
-                  </a:txBody>
-                  <a:tcPr/>
-                </a:tc>
-                <a:tc gridSpan="3">
-                  <a:txBody>
-                    <a:bodyPr/>
-                    <a:lstStyle/>
-                    <a:p>
-                      <a:pPr algn="ctr" rtl="0">
-                        <a:lnSpc>
-                          <a:spcPct val="150000"/>
-                        </a:lnSpc>
-                      </a:pPr>
-                      <a:r>
-                        <a:rPr lang="de-DE" sz="1500" spc="300" noProof="0">
-                          <a:solidFill>
-                            <a:schemeClr val="tx1"/>
-                          </a:solidFill>
-                          <a:cs typeface="Biome Light" panose="020B0303030204020804" pitchFamily="34" charset="0"/>
-                        </a:rPr>
-                        <a:t>PRODUKTEINFÜHRUNG</a:t>
-                      </a:r>
-                    </a:p>
-                    <a:p>
-                      <a:pPr algn="ctr" rtl="0">
-                        <a:lnSpc>
-                          <a:spcPct val="100000"/>
-                        </a:lnSpc>
-                      </a:pPr>
-                      <a:r>
-                        <a:rPr lang="de-DE" sz="1400" b="0" i="0" u="none" strike="noStrike" noProof="0">
-                          <a:solidFill>
-                            <a:schemeClr val="tx1"/>
-                          </a:solidFill>
-                          <a:effectLst/>
-                          <a:cs typeface="Biome Light" panose="020B0303030204020804" pitchFamily="34" charset="0"/>
-                        </a:rPr>
-                        <a:t>Lorem ipsum dolor sit amet, consectetur adipiscing elit. Mauris vitae lorem id leo accumsan.</a:t>
-                      </a:r>
-                      <a:endParaRPr lang="de-DE" sz="1400" noProof="0">
-                        <a:solidFill>
-                          <a:schemeClr val="tx1"/>
-                        </a:solidFill>
-                        <a:cs typeface="Biome Light" panose="020B0303030204020804" pitchFamily="34" charset="0"/>
-                      </a:endParaRPr>
-                    </a:p>
-                  </a:txBody>
-                  <a:tcPr anchor="ctr">
-                    <a:lnL w="3175" cap="flat" cmpd="sng" algn="ctr">
-                      <a:solidFill>
-                        <a:schemeClr val="bg2">
-                          <a:lumMod val="50000"/>
-                        </a:schemeClr>
-                      </a:solidFill>
-                      <a:prstDash val="solid"/>
-                      <a:round/>
-                      <a:headEnd type="none" w="med" len="med"/>
-                      <a:tailEnd type="none" w="med" len="med"/>
-                    </a:lnL>
-                    <a:lnR w="3175" cap="flat" cmpd="sng" algn="ctr">
-                      <a:solidFill>
-                        <a:schemeClr val="bg2">
-                          <a:lumMod val="50000"/>
-                        </a:schemeClr>
-                      </a:solidFill>
-                      <a:prstDash val="solid"/>
-                      <a:round/>
-                      <a:headEnd type="none" w="med" len="med"/>
-                      <a:tailEnd type="none" w="med" len="med"/>
-                    </a:lnR>
-                    <a:lnT w="3175" cap="flat" cmpd="sng" algn="ctr">
-                      <a:solidFill>
-                        <a:schemeClr val="bg2">
-                          <a:lumMod val="50000"/>
-                        </a:schemeClr>
-                      </a:solidFill>
-                      <a:prstDash val="solid"/>
-                      <a:round/>
-                      <a:headEnd type="none" w="med" len="med"/>
-                      <a:tailEnd type="none" w="med" len="med"/>
-                    </a:lnT>
-                    <a:lnB w="12700" cmpd="sng">
-                      <a:noFill/>
-                    </a:lnB>
-                    <a:lnTlToBr w="12700" cmpd="sng">
-                      <a:noFill/>
-                      <a:prstDash val="solid"/>
-                    </a:lnTlToBr>
-                    <a:lnBlToTr w="12700" cmpd="sng">
-                      <a:noFill/>
-                      <a:prstDash val="solid"/>
-                    </a:lnBlToTr>
-                    <a:noFill/>
-                  </a:tcPr>
-                </a:tc>
-                <a:tc hMerge="1">
-                  <a:txBody>
-                    <a:bodyPr/>
-                    <a:lstStyle/>
-                    <a:p>
-                      <a:pPr rtl="0"/>
-                      <a:endParaRPr lang="en-US" dirty="0"/>
-                    </a:p>
-                  </a:txBody>
-                  <a:tcPr/>
-                </a:tc>
-                <a:tc hMerge="1">
-                  <a:txBody>
-                    <a:bodyPr/>
-                    <a:lstStyle/>
-                    <a:p>
-                      <a:pPr rtl="0"/>
-                      <a:endParaRPr lang="en-US" dirty="0"/>
-                    </a:p>
-                  </a:txBody>
-                  <a:tcPr/>
-                </a:tc>
-                <a:tc gridSpan="3">
-                  <a:txBody>
-                    <a:bodyPr/>
-                    <a:lstStyle/>
-                    <a:p>
-                      <a:pPr algn="ctr" rtl="0">
-                        <a:lnSpc>
-                          <a:spcPct val="150000"/>
-                        </a:lnSpc>
-                      </a:pPr>
-                      <a:r>
-                        <a:rPr lang="de-DE" sz="1500" spc="300" noProof="0" dirty="0">
-                          <a:solidFill>
-                            <a:schemeClr val="tx1"/>
-                          </a:solidFill>
-                          <a:cs typeface="Biome Light" panose="020B0303030204020804" pitchFamily="34" charset="0"/>
-                        </a:rPr>
-                        <a:t>PRODUKTEINFÜHRUNG</a:t>
-                      </a:r>
-                    </a:p>
-                    <a:p>
-                      <a:pPr algn="ctr" rtl="0">
-                        <a:lnSpc>
-                          <a:spcPct val="100000"/>
-                        </a:lnSpc>
-                      </a:pPr>
-                      <a:r>
-                        <a:rPr lang="de-DE" sz="1400" b="0" i="0" u="none" strike="noStrike" noProof="0" dirty="0" err="1">
-                          <a:solidFill>
-                            <a:schemeClr val="tx1"/>
-                          </a:solidFill>
-                          <a:effectLst/>
-                          <a:cs typeface="Biome Light" panose="020B0303030204020804" pitchFamily="34" charset="0"/>
-                        </a:rPr>
-                        <a:t>Lorem</a:t>
-                      </a:r>
-                      <a:r>
-                        <a:rPr lang="de-DE" sz="1400" b="0" i="0" u="none" strike="noStrike" noProof="0" dirty="0">
-                          <a:solidFill>
-                            <a:schemeClr val="tx1"/>
-                          </a:solidFill>
-                          <a:effectLst/>
-                          <a:cs typeface="Biome Light" panose="020B0303030204020804" pitchFamily="34" charset="0"/>
-                        </a:rPr>
-                        <a:t> </a:t>
-                      </a:r>
-                      <a:r>
-                        <a:rPr lang="de-DE" sz="1400" b="0" i="0" u="none" strike="noStrike" noProof="0" dirty="0" err="1">
-                          <a:solidFill>
-                            <a:schemeClr val="tx1"/>
-                          </a:solidFill>
-                          <a:effectLst/>
-                          <a:cs typeface="Biome Light" panose="020B0303030204020804" pitchFamily="34" charset="0"/>
-                        </a:rPr>
-                        <a:t>ipsum</a:t>
-                      </a:r>
-                      <a:r>
-                        <a:rPr lang="de-DE" sz="1400" b="0" i="0" u="none" strike="noStrike" noProof="0" dirty="0">
-                          <a:solidFill>
-                            <a:schemeClr val="tx1"/>
-                          </a:solidFill>
-                          <a:effectLst/>
-                          <a:cs typeface="Biome Light" panose="020B0303030204020804" pitchFamily="34" charset="0"/>
-                        </a:rPr>
-                        <a:t> </a:t>
-                      </a:r>
-                      <a:r>
-                        <a:rPr lang="de-DE" sz="1400" b="0" i="0" u="none" strike="noStrike" noProof="0" dirty="0" err="1">
-                          <a:solidFill>
-                            <a:schemeClr val="tx1"/>
-                          </a:solidFill>
-                          <a:effectLst/>
-                          <a:cs typeface="Biome Light" panose="020B0303030204020804" pitchFamily="34" charset="0"/>
-                        </a:rPr>
-                        <a:t>dolor</a:t>
-                      </a:r>
-                      <a:r>
-                        <a:rPr lang="de-DE" sz="1400" b="0" i="0" u="none" strike="noStrike" noProof="0" dirty="0">
-                          <a:solidFill>
-                            <a:schemeClr val="tx1"/>
-                          </a:solidFill>
-                          <a:effectLst/>
-                          <a:cs typeface="Biome Light" panose="020B0303030204020804" pitchFamily="34" charset="0"/>
-                        </a:rPr>
-                        <a:t> </a:t>
-                      </a:r>
-                      <a:r>
-                        <a:rPr lang="de-DE" sz="1400" b="0" i="0" u="none" strike="noStrike" noProof="0" dirty="0" err="1">
-                          <a:solidFill>
-                            <a:schemeClr val="tx1"/>
-                          </a:solidFill>
-                          <a:effectLst/>
-                          <a:cs typeface="Biome Light" panose="020B0303030204020804" pitchFamily="34" charset="0"/>
-                        </a:rPr>
-                        <a:t>sit</a:t>
-                      </a:r>
-                      <a:r>
-                        <a:rPr lang="de-DE" sz="1400" b="0" i="0" u="none" strike="noStrike" noProof="0" dirty="0">
-                          <a:solidFill>
-                            <a:schemeClr val="tx1"/>
-                          </a:solidFill>
-                          <a:effectLst/>
-                          <a:cs typeface="Biome Light" panose="020B0303030204020804" pitchFamily="34" charset="0"/>
-                        </a:rPr>
-                        <a:t> </a:t>
-                      </a:r>
-                      <a:r>
-                        <a:rPr lang="de-DE" sz="1400" b="0" i="0" u="none" strike="noStrike" noProof="0" dirty="0" err="1">
-                          <a:solidFill>
-                            <a:schemeClr val="tx1"/>
-                          </a:solidFill>
-                          <a:effectLst/>
-                          <a:cs typeface="Biome Light" panose="020B0303030204020804" pitchFamily="34" charset="0"/>
-                        </a:rPr>
-                        <a:t>amet</a:t>
-                      </a:r>
-                      <a:r>
-                        <a:rPr lang="de-DE" sz="1400" b="0" i="0" u="none" strike="noStrike" noProof="0" dirty="0">
-                          <a:solidFill>
-                            <a:schemeClr val="tx1"/>
-                          </a:solidFill>
-                          <a:effectLst/>
-                          <a:cs typeface="Biome Light" panose="020B0303030204020804" pitchFamily="34" charset="0"/>
-                        </a:rPr>
-                        <a:t>, </a:t>
-                      </a:r>
-                      <a:r>
-                        <a:rPr lang="de-DE" sz="1400" b="0" i="0" u="none" strike="noStrike" noProof="0" dirty="0" err="1">
-                          <a:solidFill>
-                            <a:schemeClr val="tx1"/>
-                          </a:solidFill>
-                          <a:effectLst/>
-                          <a:cs typeface="Biome Light" panose="020B0303030204020804" pitchFamily="34" charset="0"/>
-                        </a:rPr>
-                        <a:t>consectetur</a:t>
-                      </a:r>
-                      <a:r>
-                        <a:rPr lang="de-DE" sz="1400" b="0" i="0" u="none" strike="noStrike" noProof="0" dirty="0">
-                          <a:solidFill>
-                            <a:schemeClr val="tx1"/>
-                          </a:solidFill>
-                          <a:effectLst/>
-                          <a:cs typeface="Biome Light" panose="020B0303030204020804" pitchFamily="34" charset="0"/>
-                        </a:rPr>
-                        <a:t> </a:t>
-                      </a:r>
-                      <a:r>
-                        <a:rPr lang="de-DE" sz="1400" b="0" i="0" u="none" strike="noStrike" noProof="0" dirty="0" err="1">
-                          <a:solidFill>
-                            <a:schemeClr val="tx1"/>
-                          </a:solidFill>
-                          <a:effectLst/>
-                          <a:cs typeface="Biome Light" panose="020B0303030204020804" pitchFamily="34" charset="0"/>
-                        </a:rPr>
-                        <a:t>adipiscing</a:t>
-                      </a:r>
-                      <a:r>
-                        <a:rPr lang="de-DE" sz="1400" b="0" i="0" u="none" strike="noStrike" noProof="0" dirty="0">
-                          <a:solidFill>
-                            <a:schemeClr val="tx1"/>
-                          </a:solidFill>
-                          <a:effectLst/>
-                          <a:cs typeface="Biome Light" panose="020B0303030204020804" pitchFamily="34" charset="0"/>
-                        </a:rPr>
-                        <a:t> </a:t>
-                      </a:r>
-                      <a:r>
-                        <a:rPr lang="de-DE" sz="1400" b="0" i="0" u="none" strike="noStrike" noProof="0" dirty="0" err="1">
-                          <a:solidFill>
-                            <a:schemeClr val="tx1"/>
-                          </a:solidFill>
-                          <a:effectLst/>
-                          <a:cs typeface="Biome Light" panose="020B0303030204020804" pitchFamily="34" charset="0"/>
-                        </a:rPr>
-                        <a:t>elit</a:t>
-                      </a:r>
-                      <a:r>
-                        <a:rPr lang="de-DE" sz="1400" b="0" i="0" u="none" strike="noStrike" noProof="0" dirty="0">
-                          <a:solidFill>
-                            <a:schemeClr val="tx1"/>
-                          </a:solidFill>
-                          <a:effectLst/>
-                          <a:cs typeface="Biome Light" panose="020B0303030204020804" pitchFamily="34" charset="0"/>
-                        </a:rPr>
-                        <a:t>. Mauris </a:t>
-                      </a:r>
-                      <a:r>
-                        <a:rPr lang="de-DE" sz="1400" b="0" i="0" u="none" strike="noStrike" noProof="0" dirty="0" err="1">
-                          <a:solidFill>
-                            <a:schemeClr val="tx1"/>
-                          </a:solidFill>
-                          <a:effectLst/>
-                          <a:cs typeface="Biome Light" panose="020B0303030204020804" pitchFamily="34" charset="0"/>
-                        </a:rPr>
-                        <a:t>vitae</a:t>
-                      </a:r>
-                      <a:r>
-                        <a:rPr lang="de-DE" sz="1400" b="0" i="0" u="none" strike="noStrike" noProof="0" dirty="0">
-                          <a:solidFill>
-                            <a:schemeClr val="tx1"/>
-                          </a:solidFill>
-                          <a:effectLst/>
-                          <a:cs typeface="Biome Light" panose="020B0303030204020804" pitchFamily="34" charset="0"/>
-                        </a:rPr>
-                        <a:t> </a:t>
-                      </a:r>
-                      <a:r>
-                        <a:rPr lang="de-DE" sz="1400" b="0" i="0" u="none" strike="noStrike" noProof="0" dirty="0" err="1">
-                          <a:solidFill>
-                            <a:schemeClr val="tx1"/>
-                          </a:solidFill>
-                          <a:effectLst/>
-                          <a:cs typeface="Biome Light" panose="020B0303030204020804" pitchFamily="34" charset="0"/>
-                        </a:rPr>
-                        <a:t>lorem</a:t>
-                      </a:r>
-                      <a:r>
-                        <a:rPr lang="de-DE" sz="1400" b="0" i="0" u="none" strike="noStrike" noProof="0" dirty="0">
-                          <a:solidFill>
-                            <a:schemeClr val="tx1"/>
-                          </a:solidFill>
-                          <a:effectLst/>
-                          <a:cs typeface="Biome Light" panose="020B0303030204020804" pitchFamily="34" charset="0"/>
-                        </a:rPr>
-                        <a:t> </a:t>
-                      </a:r>
-                      <a:r>
-                        <a:rPr lang="de-DE" sz="1400" b="0" i="0" u="none" strike="noStrike" noProof="0" dirty="0" err="1">
-                          <a:solidFill>
-                            <a:schemeClr val="tx1"/>
-                          </a:solidFill>
-                          <a:effectLst/>
-                          <a:cs typeface="Biome Light" panose="020B0303030204020804" pitchFamily="34" charset="0"/>
-                        </a:rPr>
-                        <a:t>id</a:t>
-                      </a:r>
-                      <a:r>
-                        <a:rPr lang="de-DE" sz="1400" b="0" i="0" u="none" strike="noStrike" noProof="0" dirty="0">
-                          <a:solidFill>
-                            <a:schemeClr val="tx1"/>
-                          </a:solidFill>
-                          <a:effectLst/>
-                          <a:cs typeface="Biome Light" panose="020B0303030204020804" pitchFamily="34" charset="0"/>
-                        </a:rPr>
-                        <a:t> </a:t>
-                      </a:r>
-                      <a:r>
-                        <a:rPr lang="de-DE" sz="1400" b="0" i="0" u="none" strike="noStrike" noProof="0" dirty="0" err="1">
-                          <a:solidFill>
-                            <a:schemeClr val="tx1"/>
-                          </a:solidFill>
-                          <a:effectLst/>
-                          <a:cs typeface="Biome Light" panose="020B0303030204020804" pitchFamily="34" charset="0"/>
-                        </a:rPr>
-                        <a:t>leo</a:t>
-                      </a:r>
-                      <a:r>
-                        <a:rPr lang="de-DE" sz="1400" b="0" i="0" u="none" strike="noStrike" noProof="0" dirty="0">
-                          <a:solidFill>
-                            <a:schemeClr val="tx1"/>
-                          </a:solidFill>
-                          <a:effectLst/>
-                          <a:cs typeface="Biome Light" panose="020B0303030204020804" pitchFamily="34" charset="0"/>
-                        </a:rPr>
-                        <a:t> </a:t>
-                      </a:r>
-                      <a:r>
-                        <a:rPr lang="de-DE" sz="1400" b="0" i="0" u="none" strike="noStrike" noProof="0" dirty="0" err="1">
-                          <a:solidFill>
-                            <a:schemeClr val="tx1"/>
-                          </a:solidFill>
-                          <a:effectLst/>
-                          <a:cs typeface="Biome Light" panose="020B0303030204020804" pitchFamily="34" charset="0"/>
-                        </a:rPr>
-                        <a:t>accumsan</a:t>
-                      </a:r>
-                      <a:r>
-                        <a:rPr lang="de-DE" sz="1400" b="0" i="0" u="none" strike="noStrike" noProof="0" dirty="0">
-                          <a:solidFill>
-                            <a:schemeClr val="tx1"/>
-                          </a:solidFill>
-                          <a:effectLst/>
-                          <a:cs typeface="Biome Light" panose="020B0303030204020804" pitchFamily="34" charset="0"/>
-                        </a:rPr>
-                        <a:t>.</a:t>
-                      </a:r>
-                      <a:endParaRPr lang="de-DE" sz="1400" noProof="0" dirty="0">
-                        <a:solidFill>
-                          <a:schemeClr val="tx1"/>
-                        </a:solidFill>
-                        <a:cs typeface="Biome Light" panose="020B0303030204020804" pitchFamily="34" charset="0"/>
-                      </a:endParaRPr>
-                    </a:p>
-                  </a:txBody>
-                  <a:tcPr anchor="ctr">
-                    <a:lnL w="3175" cap="flat" cmpd="sng" algn="ctr">
-                      <a:solidFill>
-                        <a:schemeClr val="bg2">
-                          <a:lumMod val="50000"/>
-                        </a:schemeClr>
-                      </a:solidFill>
-                      <a:prstDash val="solid"/>
-                      <a:round/>
-                      <a:headEnd type="none" w="med" len="med"/>
-                      <a:tailEnd type="none" w="med" len="med"/>
-                    </a:lnL>
-                    <a:lnR w="12700" cmpd="sng">
-                      <a:noFill/>
-                    </a:lnR>
-                    <a:lnT w="3175" cap="flat" cmpd="sng" algn="ctr">
-                      <a:solidFill>
-                        <a:schemeClr val="bg2">
-                          <a:lumMod val="50000"/>
-                        </a:schemeClr>
-                      </a:solidFill>
-                      <a:prstDash val="solid"/>
-                      <a:round/>
-                      <a:headEnd type="none" w="med" len="med"/>
-                      <a:tailEnd type="none" w="med" len="med"/>
-                    </a:lnT>
-                    <a:lnB w="12700" cmpd="sng">
-                      <a:noFill/>
-                    </a:lnB>
-                    <a:lnTlToBr w="12700" cmpd="sng">
-                      <a:noFill/>
-                      <a:prstDash val="solid"/>
-                    </a:lnTlToBr>
-                    <a:lnBlToTr w="12700" cmpd="sng">
-                      <a:noFill/>
-                      <a:prstDash val="solid"/>
-                    </a:lnBlToTr>
-                    <a:noFill/>
-                  </a:tcPr>
-                </a:tc>
-                <a:tc hMerge="1">
-                  <a:txBody>
-                    <a:bodyPr/>
-                    <a:lstStyle/>
-                    <a:p>
-                      <a:pPr rtl="0"/>
-                      <a:endParaRPr lang="en-US" dirty="0"/>
-                    </a:p>
-                  </a:txBody>
-                  <a:tcPr/>
-                </a:tc>
-                <a:tc hMerge="1">
-                  <a:txBody>
-                    <a:bodyPr/>
-                    <a:lstStyle/>
-                    <a:p>
-                      <a:pPr rtl="0"/>
-                      <a:endParaRPr lang="en-US" dirty="0"/>
-                    </a:p>
-                  </a:txBody>
-                  <a:tcPr/>
-                </a:tc>
-                <a:extLst>
-                  <a:ext uri="{0D108BD9-81ED-4DB2-BD59-A6C34878D82A}">
-                    <a16:rowId xmlns:a16="http://schemas.microsoft.com/office/drawing/2014/main" val="50372063"/>
-                  </a:ext>
-                </a:extLst>
-              </a:tr>
-            </a:tbl>
-          </a:graphicData>
-        </a:graphic>
-      </p:graphicFrame>
-      <p:sp>
-        <p:nvSpPr>
-          <p:cNvPr id="6" name="Foliennummernplatzhalter 5">
-            <a:extLst>
-              <a:ext uri="{FF2B5EF4-FFF2-40B4-BE49-F238E27FC236}">
-                <a16:creationId xmlns:a16="http://schemas.microsoft.com/office/drawing/2014/main" id="{762668FB-51EF-473B-89E5-AB8206BF498C}"/>
-              </a:ext>
-            </a:extLst>
-          </p:cNvPr>
-          <p:cNvSpPr>
-            <a:spLocks noGrp="1"/>
-          </p:cNvSpPr>
-          <p:nvPr>
-            <p:ph type="sldNum" sz="quarter" idx="11"/>
-          </p:nvPr>
-        </p:nvSpPr>
-        <p:spPr/>
-        <p:txBody>
-          <a:bodyPr rtlCol="0"/>
-          <a:lstStyle/>
-          <a:p>
-            <a:pPr rtl="0"/>
-            <a:fld id="{8C2E478F-E849-4A8C-AF1F-CBCC78A7CBFA}" type="slidenum">
-              <a:rPr lang="de-DE" smtClean="0"/>
-              <a:t>11</a:t>
-            </a:fld>
-            <a:endParaRPr lang="de-DE"/>
-          </a:p>
-        </p:txBody>
-      </p:sp>
-    </p:spTree>
-    <p:extLst>
-      <p:ext uri="{BB962C8B-B14F-4D97-AF65-F5344CB8AC3E}">
-        <p14:creationId xmlns:p14="http://schemas.microsoft.com/office/powerpoint/2010/main" val="2129108354"/>
-      </p:ext>
-    </p:extLst>
-  </p:cSld>
-  <p:clrMapOvr>
-    <a:masterClrMapping/>
-  </p:clrMapOvr>
-</p:sld>
-</file>
-
-<file path=ppt/slides/slide12.xml><?xml version="1.0" encoding="utf-8"?>
-<p:sld xmlns:a="http://schemas.openxmlformats.org/drawingml/2006/main" xmlns:r="http://schemas.openxmlformats.org/officeDocument/2006/relationships" xmlns:p="http://schemas.openxmlformats.org/presentationml/2006/main">
-  <p:cSld>
-    <p:spTree>
-      <p:nvGrpSpPr>
-        <p:cNvPr id="1" name=""/>
-        <p:cNvGrpSpPr/>
-        <p:nvPr/>
-      </p:nvGrpSpPr>
-      <p:grpSpPr>
-        <a:xfrm>
-          <a:off x="0" y="0"/>
-          <a:ext cx="0" cy="0"/>
-          <a:chOff x="0" y="0"/>
-          <a:chExt cx="0" cy="0"/>
-        </a:xfrm>
-      </p:grpSpPr>
-      <p:sp>
-        <p:nvSpPr>
-          <p:cNvPr id="3" name="Titel 2">
-            <a:extLst>
-              <a:ext uri="{FF2B5EF4-FFF2-40B4-BE49-F238E27FC236}">
-                <a16:creationId xmlns:a16="http://schemas.microsoft.com/office/drawing/2014/main" id="{85534194-745D-4888-BF16-6C09F65EA484}"/>
-              </a:ext>
-            </a:extLst>
-          </p:cNvPr>
-          <p:cNvSpPr>
-            <a:spLocks noGrp="1"/>
-          </p:cNvSpPr>
-          <p:nvPr>
-            <p:ph type="title"/>
-          </p:nvPr>
-        </p:nvSpPr>
-        <p:spPr/>
-        <p:txBody>
-          <a:bodyPr rtlCol="0" anchor="ctr">
-            <a:normAutofit/>
-          </a:bodyPr>
-          <a:lstStyle/>
-          <a:p>
-            <a:pPr algn="ctr" rtl="0"/>
-            <a:r>
-              <a:rPr lang="de-DE" sz="4800" spc="300"/>
-              <a:t>Ziele für Q2 </a:t>
-            </a:r>
-          </a:p>
-        </p:txBody>
-      </p:sp>
-      <p:pic>
-        <p:nvPicPr>
-          <p:cNvPr id="14" name="Bildplatzhalter 13" descr="Person, die auf Blaupausen an einer Wand starrt">
-            <a:extLst>
-              <a:ext uri="{FF2B5EF4-FFF2-40B4-BE49-F238E27FC236}">
-                <a16:creationId xmlns:a16="http://schemas.microsoft.com/office/drawing/2014/main" id="{0FFF32E4-AD91-40FC-9DF7-A3354578229E}"/>
-              </a:ext>
-            </a:extLst>
-          </p:cNvPr>
-          <p:cNvPicPr>
-            <a:picLocks noGrp="1" noChangeAspect="1"/>
-          </p:cNvPicPr>
-          <p:nvPr>
-            <p:ph type="pic" sz="quarter" idx="10"/>
-          </p:nvPr>
-        </p:nvPicPr>
-        <p:blipFill>
-          <a:blip r:embed="rId3" cstate="email">
-            <a:extLst>
-              <a:ext uri="{BEBA8EAE-BF5A-486C-A8C5-ECC9F3942E4B}">
-                <a14:imgProps xmlns:a14="http://schemas.microsoft.com/office/drawing/2010/main">
-                  <a14:imgLayer r:embed="rId4">
-                    <a14:imgEffect>
-                      <a14:saturation sat="0"/>
-                    </a14:imgEffect>
-                  </a14:imgLayer>
-                </a14:imgProps>
-              </a:ext>
-              <a:ext uri="{28A0092B-C50C-407E-A947-70E740481C1C}">
-                <a14:useLocalDpi xmlns:a14="http://schemas.microsoft.com/office/drawing/2010/main"/>
-              </a:ext>
-            </a:extLst>
-          </a:blip>
-          <a:srcRect t="4341" b="4341"/>
-          <a:stretch>
-            <a:fillRect/>
-          </a:stretch>
-        </p:blipFill>
-        <p:spPr/>
-      </p:pic>
-      <p:pic>
-        <p:nvPicPr>
-          <p:cNvPr id="16" name="Bildplatzhalter 15" descr="Haftnotizen auf einer durchsichtigen Trockenlöschtafel">
-            <a:extLst>
-              <a:ext uri="{FF2B5EF4-FFF2-40B4-BE49-F238E27FC236}">
-                <a16:creationId xmlns:a16="http://schemas.microsoft.com/office/drawing/2014/main" id="{50D4325D-C08E-44CB-8E25-A519866BD2D3}"/>
-              </a:ext>
-            </a:extLst>
-          </p:cNvPr>
-          <p:cNvPicPr>
-            <a:picLocks noGrp="1" noChangeAspect="1"/>
-          </p:cNvPicPr>
-          <p:nvPr>
-            <p:ph type="pic" sz="quarter" idx="11"/>
-          </p:nvPr>
-        </p:nvPicPr>
-        <p:blipFill>
-          <a:blip r:embed="rId5" cstate="email">
-            <a:extLst>
-              <a:ext uri="{BEBA8EAE-BF5A-486C-A8C5-ECC9F3942E4B}">
-                <a14:imgProps xmlns:a14="http://schemas.microsoft.com/office/drawing/2010/main">
-                  <a14:imgLayer r:embed="rId6">
-                    <a14:imgEffect>
-                      <a14:saturation sat="0"/>
-                    </a14:imgEffect>
-                  </a14:imgLayer>
-                </a14:imgProps>
-              </a:ext>
-              <a:ext uri="{28A0092B-C50C-407E-A947-70E740481C1C}">
-                <a14:useLocalDpi xmlns:a14="http://schemas.microsoft.com/office/drawing/2010/main"/>
-              </a:ext>
-            </a:extLst>
-          </a:blip>
-          <a:srcRect t="4341" b="4341"/>
-          <a:stretch>
-            <a:fillRect/>
-          </a:stretch>
-        </p:blipFill>
-        <p:spPr/>
-      </p:pic>
-      <p:pic>
-        <p:nvPicPr>
-          <p:cNvPr id="19" name="Bildplatzhalter 18" descr="Gruppe von Menschen an einem Konferenztisch">
-            <a:extLst>
-              <a:ext uri="{FF2B5EF4-FFF2-40B4-BE49-F238E27FC236}">
-                <a16:creationId xmlns:a16="http://schemas.microsoft.com/office/drawing/2014/main" id="{FB89929D-9F1B-48CA-B694-B0344FFC9F65}"/>
-              </a:ext>
-            </a:extLst>
-          </p:cNvPr>
-          <p:cNvPicPr>
-            <a:picLocks noGrp="1" noChangeAspect="1"/>
-          </p:cNvPicPr>
-          <p:nvPr>
-            <p:ph type="pic" sz="quarter" idx="12"/>
-          </p:nvPr>
-        </p:nvPicPr>
-        <p:blipFill>
-          <a:blip r:embed="rId7" cstate="email">
-            <a:extLst>
-              <a:ext uri="{BEBA8EAE-BF5A-486C-A8C5-ECC9F3942E4B}">
-                <a14:imgProps xmlns:a14="http://schemas.microsoft.com/office/drawing/2010/main">
-                  <a14:imgLayer r:embed="rId8">
-                    <a14:imgEffect>
-                      <a14:saturation sat="0"/>
-                    </a14:imgEffect>
-                  </a14:imgLayer>
-                </a14:imgProps>
-              </a:ext>
-              <a:ext uri="{28A0092B-C50C-407E-A947-70E740481C1C}">
-                <a14:useLocalDpi xmlns:a14="http://schemas.microsoft.com/office/drawing/2010/main"/>
-              </a:ext>
-            </a:extLst>
-          </a:blip>
-          <a:srcRect t="4341" b="4341"/>
-          <a:stretch>
-            <a:fillRect/>
-          </a:stretch>
-        </p:blipFill>
-        <p:spPr/>
-      </p:pic>
-      <p:sp>
-        <p:nvSpPr>
-          <p:cNvPr id="6" name="Textplatzhalter 5">
-            <a:extLst>
-              <a:ext uri="{FF2B5EF4-FFF2-40B4-BE49-F238E27FC236}">
-                <a16:creationId xmlns:a16="http://schemas.microsoft.com/office/drawing/2014/main" id="{E4A248D7-680E-4181-9558-ED00D7CEAD68}"/>
-              </a:ext>
-            </a:extLst>
-          </p:cNvPr>
-          <p:cNvSpPr>
-            <a:spLocks noGrp="1"/>
-          </p:cNvSpPr>
-          <p:nvPr>
-            <p:ph type="body" sz="quarter" idx="13"/>
-          </p:nvPr>
-        </p:nvSpPr>
-        <p:spPr/>
-        <p:txBody>
-          <a:bodyPr rtlCol="0">
-            <a:normAutofit/>
-          </a:bodyPr>
-          <a:lstStyle/>
-          <a:p>
-            <a:pPr marL="0" indent="0" rtl="0">
-              <a:lnSpc>
-                <a:spcPct val="100000"/>
-              </a:lnSpc>
-              <a:spcBef>
-                <a:spcPts val="0"/>
-              </a:spcBef>
-              <a:buNone/>
-              <a:defRPr/>
-            </a:pPr>
-            <a:r>
-              <a:rPr lang="de-DE" spc="300"/>
-              <a:t>WIRTSCHAFT </a:t>
-            </a:r>
-            <a:br>
-              <a:rPr lang="de-DE" spc="300"/>
-            </a:br>
-            <a:r>
-              <a:rPr lang="de-DE" spc="300"/>
-              <a:t>PRIORITÄTEN</a:t>
-            </a:r>
-          </a:p>
-          <a:p>
-            <a:pPr marL="228600" indent="-228600" rtl="0">
-              <a:lnSpc>
-                <a:spcPct val="100000"/>
-              </a:lnSpc>
-              <a:buFont typeface="Wingdings" panose="05000000000000000000" pitchFamily="2" charset="2"/>
-              <a:buChar char="§"/>
-              <a:defRPr/>
-            </a:pPr>
-            <a:r>
-              <a:rPr lang="de-DE" sz="1400" spc="0"/>
-              <a:t>Kundenzufriedenheit um 2 % steigern</a:t>
-            </a:r>
-          </a:p>
-          <a:p>
-            <a:pPr marL="228600" indent="-228600" rtl="0">
-              <a:lnSpc>
-                <a:spcPct val="100000"/>
-              </a:lnSpc>
-              <a:buFont typeface="Wingdings" panose="05000000000000000000" pitchFamily="2" charset="2"/>
-              <a:buChar char="§"/>
-              <a:defRPr/>
-            </a:pPr>
-            <a:r>
-              <a:rPr lang="de-DE" sz="1400" spc="0"/>
-              <a:t>Wachstum beibehalten</a:t>
-            </a:r>
-          </a:p>
-          <a:p>
-            <a:pPr marL="0" indent="0" rtl="0">
-              <a:lnSpc>
-                <a:spcPct val="100000"/>
-              </a:lnSpc>
-              <a:spcBef>
-                <a:spcPts val="0"/>
-              </a:spcBef>
-              <a:buNone/>
-              <a:defRPr/>
-            </a:pPr>
-            <a:endParaRPr lang="de-DE" spc="300"/>
-          </a:p>
-          <a:p>
-            <a:pPr rtl="0"/>
-            <a:endParaRPr lang="de-DE"/>
-          </a:p>
-        </p:txBody>
-      </p:sp>
-      <p:sp>
-        <p:nvSpPr>
-          <p:cNvPr id="12" name="Inhaltsplatzhalter 24">
-            <a:extLst>
-              <a:ext uri="{FF2B5EF4-FFF2-40B4-BE49-F238E27FC236}">
-                <a16:creationId xmlns:a16="http://schemas.microsoft.com/office/drawing/2014/main" id="{3DD3B9ED-231E-423D-B8D7-6DE1C249CA4E}"/>
-              </a:ext>
-            </a:extLst>
-          </p:cNvPr>
-          <p:cNvSpPr txBox="1">
-            <a:spLocks/>
-          </p:cNvSpPr>
-          <p:nvPr/>
-        </p:nvSpPr>
-        <p:spPr>
-          <a:xfrm>
-            <a:off x="4541520" y="3670301"/>
-            <a:ext cx="3108960" cy="2755898"/>
-          </a:xfrm>
-          <a:prstGeom prst="rect">
-            <a:avLst/>
-          </a:prstGeom>
-        </p:spPr>
-        <p:txBody>
-          <a:bodyPr vert="horz" lIns="91440" tIns="45720" rIns="91440" bIns="45720" rtlCol="0">
-            <a:normAutofit/>
-          </a:bodyPr>
-          <a:lstStyle>
-            <a:lvl1pPr marL="228600" indent="-228600" algn="l" defTabSz="914400" rtl="0" eaLnBrk="1" latinLnBrk="0" hangingPunct="1">
-              <a:lnSpc>
-                <a:spcPct val="150000"/>
-              </a:lnSpc>
-              <a:spcBef>
-                <a:spcPts val="1000"/>
-              </a:spcBef>
-              <a:buFont typeface="Arial" panose="020B0604020202020204" pitchFamily="34" charset="0"/>
-              <a:buChar char="•"/>
-              <a:defRPr sz="1600" kern="1200">
-                <a:solidFill>
-                  <a:schemeClr val="tx1"/>
-                </a:solidFill>
-                <a:latin typeface="+mn-lt"/>
-                <a:ea typeface="+mn-ea"/>
-                <a:cs typeface="+mn-cs"/>
-              </a:defRPr>
-            </a:lvl1pPr>
-            <a:lvl2pPr marL="685800" indent="-228600" algn="l" defTabSz="914400" rtl="0" eaLnBrk="1" latinLnBrk="0" hangingPunct="1">
-              <a:lnSpc>
-                <a:spcPct val="150000"/>
-              </a:lnSpc>
-              <a:spcBef>
-                <a:spcPts val="500"/>
-              </a:spcBef>
-              <a:buFont typeface="Arial" panose="020B0604020202020204" pitchFamily="34" charset="0"/>
-              <a:buChar char="•"/>
-              <a:defRPr sz="1400" kern="1200">
-                <a:solidFill>
-                  <a:schemeClr val="tx1"/>
-                </a:solidFill>
-                <a:latin typeface="+mn-lt"/>
-                <a:ea typeface="+mn-ea"/>
-                <a:cs typeface="+mn-cs"/>
-              </a:defRPr>
-            </a:lvl2pPr>
-            <a:lvl3pPr marL="1143000" indent="-228600" algn="l" defTabSz="914400" rtl="0" eaLnBrk="1" latinLnBrk="0" hangingPunct="1">
-              <a:lnSpc>
-                <a:spcPct val="150000"/>
-              </a:lnSpc>
-              <a:spcBef>
-                <a:spcPts val="500"/>
-              </a:spcBef>
-              <a:buFont typeface="Arial" panose="020B0604020202020204" pitchFamily="34" charset="0"/>
-              <a:buChar char="•"/>
-              <a:defRPr sz="1400" kern="1200">
-                <a:solidFill>
-                  <a:schemeClr val="tx1"/>
-                </a:solidFill>
-                <a:latin typeface="+mn-lt"/>
-                <a:ea typeface="+mn-ea"/>
-                <a:cs typeface="+mn-cs"/>
-              </a:defRPr>
-            </a:lvl3pPr>
-            <a:lvl4pPr marL="1600200" indent="-228600" algn="l" defTabSz="914400" rtl="0" eaLnBrk="1" latinLnBrk="0" hangingPunct="1">
-              <a:lnSpc>
-                <a:spcPct val="150000"/>
-              </a:lnSpc>
-              <a:spcBef>
-                <a:spcPts val="500"/>
-              </a:spcBef>
-              <a:buFont typeface="Arial" panose="020B0604020202020204" pitchFamily="34" charset="0"/>
-              <a:buChar char="•"/>
-              <a:defRPr sz="1200" kern="1200">
-                <a:solidFill>
-                  <a:schemeClr val="tx1"/>
-                </a:solidFill>
-                <a:latin typeface="+mn-lt"/>
-                <a:ea typeface="+mn-ea"/>
-                <a:cs typeface="+mn-cs"/>
-              </a:defRPr>
-            </a:lvl4pPr>
-            <a:lvl5pPr marL="2057400" indent="-228600" algn="l" defTabSz="914400" rtl="0" eaLnBrk="1" latinLnBrk="0" hangingPunct="1">
-              <a:lnSpc>
-                <a:spcPct val="150000"/>
-              </a:lnSpc>
-              <a:spcBef>
-                <a:spcPts val="500"/>
-              </a:spcBef>
-              <a:buFont typeface="Arial" panose="020B0604020202020204" pitchFamily="34" charset="0"/>
-              <a:buChar char="•"/>
-              <a:defRPr sz="1200" kern="1200">
-                <a:solidFill>
-                  <a:schemeClr val="tx1"/>
-                </a:solidFill>
-                <a:latin typeface="+mn-lt"/>
-                <a:ea typeface="+mn-ea"/>
-                <a:cs typeface="+mn-cs"/>
-              </a:defRPr>
-            </a:lvl5pPr>
-            <a:lvl6pPr marL="2514600" indent="-228600" algn="l" defTabSz="914400" rtl="0" eaLnBrk="1" latinLnBrk="0" hangingPunct="1">
-              <a:lnSpc>
-                <a:spcPct val="90000"/>
-              </a:lnSpc>
-              <a:spcBef>
-                <a:spcPts val="500"/>
-              </a:spcBef>
-              <a:buFont typeface="Arial" panose="020B0604020202020204" pitchFamily="34" charset="0"/>
-              <a:buChar char="•"/>
-              <a:defRPr sz="1800" kern="1200">
-                <a:solidFill>
-                  <a:schemeClr val="tx1"/>
-                </a:solidFill>
-                <a:latin typeface="+mn-lt"/>
-                <a:ea typeface="+mn-ea"/>
-                <a:cs typeface="+mn-cs"/>
-              </a:defRPr>
-            </a:lvl6pPr>
-            <a:lvl7pPr marL="2971800" indent="-228600" algn="l" defTabSz="914400" rtl="0" eaLnBrk="1" latinLnBrk="0" hangingPunct="1">
-              <a:lnSpc>
-                <a:spcPct val="90000"/>
-              </a:lnSpc>
-              <a:spcBef>
-                <a:spcPts val="500"/>
-              </a:spcBef>
-              <a:buFont typeface="Arial" panose="020B0604020202020204" pitchFamily="34" charset="0"/>
-              <a:buChar char="•"/>
-              <a:defRPr sz="1800" kern="1200">
-                <a:solidFill>
-                  <a:schemeClr val="tx1"/>
-                </a:solidFill>
-                <a:latin typeface="+mn-lt"/>
-                <a:ea typeface="+mn-ea"/>
-                <a:cs typeface="+mn-cs"/>
-              </a:defRPr>
-            </a:lvl7pPr>
-            <a:lvl8pPr marL="3429000" indent="-228600" algn="l" defTabSz="914400" rtl="0" eaLnBrk="1" latinLnBrk="0" hangingPunct="1">
-              <a:lnSpc>
-                <a:spcPct val="90000"/>
-              </a:lnSpc>
-              <a:spcBef>
-                <a:spcPts val="500"/>
-              </a:spcBef>
-              <a:buFont typeface="Arial" panose="020B0604020202020204" pitchFamily="34" charset="0"/>
-              <a:buChar char="•"/>
-              <a:defRPr sz="1800" kern="1200">
-                <a:solidFill>
-                  <a:schemeClr val="tx1"/>
-                </a:solidFill>
-                <a:latin typeface="+mn-lt"/>
-                <a:ea typeface="+mn-ea"/>
-                <a:cs typeface="+mn-cs"/>
-              </a:defRPr>
-            </a:lvl8pPr>
-            <a:lvl9pPr marL="3886200" indent="-228600" algn="l" defTabSz="914400" rtl="0" eaLnBrk="1" latinLnBrk="0" hangingPunct="1">
-              <a:lnSpc>
-                <a:spcPct val="90000"/>
-              </a:lnSpc>
-              <a:spcBef>
-                <a:spcPts val="500"/>
-              </a:spcBef>
-              <a:buFont typeface="Arial" panose="020B0604020202020204" pitchFamily="34" charset="0"/>
-              <a:buChar char="•"/>
-              <a:defRPr sz="1800" kern="1200">
-                <a:solidFill>
-                  <a:schemeClr val="tx1"/>
-                </a:solidFill>
-                <a:latin typeface="+mn-lt"/>
-                <a:ea typeface="+mn-ea"/>
-                <a:cs typeface="+mn-cs"/>
-              </a:defRPr>
-            </a:lvl9pPr>
-          </a:lstStyle>
-          <a:p>
-            <a:pPr marL="0" indent="0" rtl="0">
-              <a:lnSpc>
-                <a:spcPct val="100000"/>
-              </a:lnSpc>
-              <a:spcBef>
-                <a:spcPts val="0"/>
-              </a:spcBef>
-              <a:buNone/>
-              <a:defRPr/>
-            </a:pPr>
-            <a:r>
-              <a:rPr lang="de-DE" sz="2400" spc="300"/>
-              <a:t>ZUSÄTZLICHE </a:t>
-            </a:r>
-            <a:br>
-              <a:rPr lang="de-DE" sz="2400" spc="300"/>
-            </a:br>
-            <a:r>
-              <a:rPr lang="de-DE" sz="2400" spc="300"/>
-              <a:t>PRIORITÄTEN</a:t>
-            </a:r>
-          </a:p>
-          <a:p>
-            <a:pPr rtl="0">
-              <a:lnSpc>
-                <a:spcPct val="100000"/>
-              </a:lnSpc>
-              <a:buFont typeface="Wingdings" panose="05000000000000000000" pitchFamily="2" charset="2"/>
-              <a:buChar char="§"/>
-              <a:defRPr/>
-            </a:pPr>
-            <a:r>
-              <a:rPr lang="de-DE" sz="1400"/>
-              <a:t>Bessere soziale Medienpräsenz</a:t>
-            </a:r>
-          </a:p>
-          <a:p>
-            <a:pPr rtl="0">
-              <a:lnSpc>
-                <a:spcPct val="100000"/>
-              </a:lnSpc>
-              <a:buFont typeface="Wingdings" panose="05000000000000000000" pitchFamily="2" charset="2"/>
-              <a:buChar char="§"/>
-              <a:defRPr/>
-            </a:pPr>
-            <a:r>
-              <a:rPr lang="de-DE" sz="1400"/>
-              <a:t>Sicherstellen, dass die Entwicklungskosten unterhalb des Budgets bleiben</a:t>
-            </a:r>
-          </a:p>
-          <a:p>
-            <a:pPr rtl="0"/>
-            <a:endParaRPr lang="de-DE"/>
-          </a:p>
-        </p:txBody>
-      </p:sp>
-      <p:sp>
-        <p:nvSpPr>
-          <p:cNvPr id="13" name="Inhaltsplatzhalter 25">
-            <a:extLst>
-              <a:ext uri="{FF2B5EF4-FFF2-40B4-BE49-F238E27FC236}">
-                <a16:creationId xmlns:a16="http://schemas.microsoft.com/office/drawing/2014/main" id="{184497C2-C5BB-4C07-AF14-B5D10275FC68}"/>
-              </a:ext>
-            </a:extLst>
-          </p:cNvPr>
-          <p:cNvSpPr txBox="1">
-            <a:spLocks/>
-          </p:cNvSpPr>
-          <p:nvPr/>
-        </p:nvSpPr>
-        <p:spPr>
-          <a:xfrm>
-            <a:off x="8122920" y="3670302"/>
-            <a:ext cx="3108960" cy="2755898"/>
-          </a:xfrm>
-          <a:prstGeom prst="rect">
-            <a:avLst/>
-          </a:prstGeom>
-        </p:spPr>
-        <p:txBody>
-          <a:bodyPr vert="horz" lIns="91440" tIns="45720" rIns="91440" bIns="45720" rtlCol="0">
-            <a:normAutofit/>
-          </a:bodyPr>
-          <a:lstStyle>
-            <a:lvl1pPr marL="228600" indent="-228600" algn="l" defTabSz="914400" rtl="0" eaLnBrk="1" latinLnBrk="0" hangingPunct="1">
-              <a:lnSpc>
-                <a:spcPct val="150000"/>
-              </a:lnSpc>
-              <a:spcBef>
-                <a:spcPts val="1000"/>
-              </a:spcBef>
-              <a:buFont typeface="Arial" panose="020B0604020202020204" pitchFamily="34" charset="0"/>
-              <a:buChar char="•"/>
-              <a:defRPr sz="1600" kern="1200">
-                <a:solidFill>
-                  <a:schemeClr val="tx1"/>
-                </a:solidFill>
-                <a:latin typeface="+mn-lt"/>
-                <a:ea typeface="+mn-ea"/>
-                <a:cs typeface="+mn-cs"/>
-              </a:defRPr>
-            </a:lvl1pPr>
-            <a:lvl2pPr marL="685800" indent="-228600" algn="l" defTabSz="914400" rtl="0" eaLnBrk="1" latinLnBrk="0" hangingPunct="1">
-              <a:lnSpc>
-                <a:spcPct val="150000"/>
-              </a:lnSpc>
-              <a:spcBef>
-                <a:spcPts val="500"/>
-              </a:spcBef>
-              <a:buFont typeface="Arial" panose="020B0604020202020204" pitchFamily="34" charset="0"/>
-              <a:buChar char="•"/>
-              <a:defRPr sz="1400" kern="1200">
-                <a:solidFill>
-                  <a:schemeClr val="tx1"/>
-                </a:solidFill>
-                <a:latin typeface="+mn-lt"/>
-                <a:ea typeface="+mn-ea"/>
-                <a:cs typeface="+mn-cs"/>
-              </a:defRPr>
-            </a:lvl2pPr>
-            <a:lvl3pPr marL="1143000" indent="-228600" algn="l" defTabSz="914400" rtl="0" eaLnBrk="1" latinLnBrk="0" hangingPunct="1">
-              <a:lnSpc>
-                <a:spcPct val="150000"/>
-              </a:lnSpc>
-              <a:spcBef>
-                <a:spcPts val="500"/>
-              </a:spcBef>
-              <a:buFont typeface="Arial" panose="020B0604020202020204" pitchFamily="34" charset="0"/>
-              <a:buChar char="•"/>
-              <a:defRPr sz="1400" kern="1200">
-                <a:solidFill>
-                  <a:schemeClr val="tx1"/>
-                </a:solidFill>
-                <a:latin typeface="+mn-lt"/>
-                <a:ea typeface="+mn-ea"/>
-                <a:cs typeface="+mn-cs"/>
-              </a:defRPr>
-            </a:lvl3pPr>
-            <a:lvl4pPr marL="1600200" indent="-228600" algn="l" defTabSz="914400" rtl="0" eaLnBrk="1" latinLnBrk="0" hangingPunct="1">
-              <a:lnSpc>
-                <a:spcPct val="150000"/>
-              </a:lnSpc>
-              <a:spcBef>
-                <a:spcPts val="500"/>
-              </a:spcBef>
-              <a:buFont typeface="Arial" panose="020B0604020202020204" pitchFamily="34" charset="0"/>
-              <a:buChar char="•"/>
-              <a:defRPr sz="1200" kern="1200">
-                <a:solidFill>
-                  <a:schemeClr val="tx1"/>
-                </a:solidFill>
-                <a:latin typeface="+mn-lt"/>
-                <a:ea typeface="+mn-ea"/>
-                <a:cs typeface="+mn-cs"/>
-              </a:defRPr>
-            </a:lvl4pPr>
-            <a:lvl5pPr marL="2057400" indent="-228600" algn="l" defTabSz="914400" rtl="0" eaLnBrk="1" latinLnBrk="0" hangingPunct="1">
-              <a:lnSpc>
-                <a:spcPct val="150000"/>
-              </a:lnSpc>
-              <a:spcBef>
-                <a:spcPts val="500"/>
-              </a:spcBef>
-              <a:buFont typeface="Arial" panose="020B0604020202020204" pitchFamily="34" charset="0"/>
-              <a:buChar char="•"/>
-              <a:defRPr sz="1200" kern="1200">
-                <a:solidFill>
-                  <a:schemeClr val="tx1"/>
-                </a:solidFill>
-                <a:latin typeface="+mn-lt"/>
-                <a:ea typeface="+mn-ea"/>
-                <a:cs typeface="+mn-cs"/>
-              </a:defRPr>
-            </a:lvl5pPr>
-            <a:lvl6pPr marL="2514600" indent="-228600" algn="l" defTabSz="914400" rtl="0" eaLnBrk="1" latinLnBrk="0" hangingPunct="1">
-              <a:lnSpc>
-                <a:spcPct val="90000"/>
-              </a:lnSpc>
-              <a:spcBef>
-                <a:spcPts val="500"/>
-              </a:spcBef>
-              <a:buFont typeface="Arial" panose="020B0604020202020204" pitchFamily="34" charset="0"/>
-              <a:buChar char="•"/>
-              <a:defRPr sz="1800" kern="1200">
-                <a:solidFill>
-                  <a:schemeClr val="tx1"/>
-                </a:solidFill>
-                <a:latin typeface="+mn-lt"/>
-                <a:ea typeface="+mn-ea"/>
-                <a:cs typeface="+mn-cs"/>
-              </a:defRPr>
-            </a:lvl6pPr>
-            <a:lvl7pPr marL="2971800" indent="-228600" algn="l" defTabSz="914400" rtl="0" eaLnBrk="1" latinLnBrk="0" hangingPunct="1">
-              <a:lnSpc>
-                <a:spcPct val="90000"/>
-              </a:lnSpc>
-              <a:spcBef>
-                <a:spcPts val="500"/>
-              </a:spcBef>
-              <a:buFont typeface="Arial" panose="020B0604020202020204" pitchFamily="34" charset="0"/>
-              <a:buChar char="•"/>
-              <a:defRPr sz="1800" kern="1200">
-                <a:solidFill>
-                  <a:schemeClr val="tx1"/>
-                </a:solidFill>
-                <a:latin typeface="+mn-lt"/>
-                <a:ea typeface="+mn-ea"/>
-                <a:cs typeface="+mn-cs"/>
-              </a:defRPr>
-            </a:lvl7pPr>
-            <a:lvl8pPr marL="3429000" indent="-228600" algn="l" defTabSz="914400" rtl="0" eaLnBrk="1" latinLnBrk="0" hangingPunct="1">
-              <a:lnSpc>
-                <a:spcPct val="90000"/>
-              </a:lnSpc>
-              <a:spcBef>
-                <a:spcPts val="500"/>
-              </a:spcBef>
-              <a:buFont typeface="Arial" panose="020B0604020202020204" pitchFamily="34" charset="0"/>
-              <a:buChar char="•"/>
-              <a:defRPr sz="1800" kern="1200">
-                <a:solidFill>
-                  <a:schemeClr val="tx1"/>
-                </a:solidFill>
-                <a:latin typeface="+mn-lt"/>
-                <a:ea typeface="+mn-ea"/>
-                <a:cs typeface="+mn-cs"/>
-              </a:defRPr>
-            </a:lvl8pPr>
-            <a:lvl9pPr marL="3886200" indent="-228600" algn="l" defTabSz="914400" rtl="0" eaLnBrk="1" latinLnBrk="0" hangingPunct="1">
-              <a:lnSpc>
-                <a:spcPct val="90000"/>
-              </a:lnSpc>
-              <a:spcBef>
-                <a:spcPts val="500"/>
-              </a:spcBef>
-              <a:buFont typeface="Arial" panose="020B0604020202020204" pitchFamily="34" charset="0"/>
-              <a:buChar char="•"/>
-              <a:defRPr sz="1800" kern="1200">
-                <a:solidFill>
-                  <a:schemeClr val="tx1"/>
-                </a:solidFill>
-                <a:latin typeface="+mn-lt"/>
-                <a:ea typeface="+mn-ea"/>
-                <a:cs typeface="+mn-cs"/>
-              </a:defRPr>
-            </a:lvl9pPr>
-          </a:lstStyle>
-          <a:p>
-            <a:pPr marL="0" indent="0" rtl="0">
-              <a:lnSpc>
-                <a:spcPct val="100000"/>
-              </a:lnSpc>
-              <a:spcBef>
-                <a:spcPts val="0"/>
-              </a:spcBef>
-              <a:buFontTx/>
-              <a:buNone/>
-              <a:defRPr/>
-            </a:pPr>
-            <a:r>
-              <a:rPr lang="de-DE" sz="2400" spc="300"/>
-              <a:t>BERUFLICHE MÖGLICHKEITEN</a:t>
-            </a:r>
-          </a:p>
-          <a:p>
-            <a:pPr rtl="0">
-              <a:lnSpc>
-                <a:spcPct val="100000"/>
-              </a:lnSpc>
-              <a:buFont typeface="Wingdings" panose="05000000000000000000" pitchFamily="2" charset="2"/>
-              <a:buChar char="§"/>
-              <a:defRPr/>
-            </a:pPr>
-            <a:r>
-              <a:rPr lang="de-DE" sz="1400"/>
-              <a:t>Praktikanten beginnen</a:t>
-            </a:r>
-          </a:p>
-          <a:p>
-            <a:pPr rtl="0">
-              <a:lnSpc>
-                <a:spcPct val="100000"/>
-              </a:lnSpc>
-              <a:buFont typeface="Wingdings" panose="05000000000000000000" pitchFamily="2" charset="2"/>
-              <a:buChar char="§"/>
-              <a:defRPr/>
-            </a:pPr>
-            <a:r>
-              <a:rPr lang="de-DE" sz="1400"/>
-              <a:t>Indoor-Freizeitligen</a:t>
-            </a:r>
-          </a:p>
-          <a:p>
-            <a:pPr rtl="0">
-              <a:lnSpc>
-                <a:spcPct val="100000"/>
-              </a:lnSpc>
-              <a:buFont typeface="Wingdings" panose="05000000000000000000" pitchFamily="2" charset="2"/>
-              <a:buChar char="§"/>
-              <a:defRPr/>
-            </a:pPr>
-            <a:r>
-              <a:rPr lang="de-DE" sz="1400"/>
-              <a:t>Schachturniere</a:t>
-            </a:r>
-          </a:p>
-          <a:p>
-            <a:pPr rtl="0">
-              <a:lnSpc>
-                <a:spcPct val="100000"/>
-              </a:lnSpc>
-              <a:buFont typeface="Wingdings" panose="05000000000000000000" pitchFamily="2" charset="2"/>
-              <a:buChar char="§"/>
-              <a:defRPr/>
-            </a:pPr>
-            <a:r>
-              <a:rPr lang="de-DE" sz="1400"/>
-              <a:t>Das große Spiel zusammen schauen</a:t>
-            </a:r>
-          </a:p>
-        </p:txBody>
-      </p:sp>
-      <p:sp>
-        <p:nvSpPr>
-          <p:cNvPr id="21" name="Foliennummernplatzhalter 20">
-            <a:extLst>
-              <a:ext uri="{FF2B5EF4-FFF2-40B4-BE49-F238E27FC236}">
-                <a16:creationId xmlns:a16="http://schemas.microsoft.com/office/drawing/2014/main" id="{27B9B9E1-D2EC-4B8B-BC3C-67231FDDCC79}"/>
-              </a:ext>
-            </a:extLst>
-          </p:cNvPr>
-          <p:cNvSpPr>
-            <a:spLocks noGrp="1"/>
-          </p:cNvSpPr>
-          <p:nvPr>
-            <p:ph type="sldNum" sz="quarter" idx="16"/>
-          </p:nvPr>
-        </p:nvSpPr>
-        <p:spPr/>
-        <p:txBody>
-          <a:bodyPr rtlCol="0"/>
-          <a:lstStyle/>
-          <a:p>
-            <a:pPr rtl="0"/>
-            <a:fld id="{8C2E478F-E849-4A8C-AF1F-CBCC78A7CBFA}" type="slidenum">
-              <a:rPr lang="de-DE" smtClean="0"/>
-              <a:t>12</a:t>
-            </a:fld>
-            <a:endParaRPr lang="de-DE"/>
-          </a:p>
-        </p:txBody>
-      </p:sp>
-    </p:spTree>
-    <p:extLst>
-      <p:ext uri="{BB962C8B-B14F-4D97-AF65-F5344CB8AC3E}">
-        <p14:creationId xmlns:p14="http://schemas.microsoft.com/office/powerpoint/2010/main" val="714960598"/>
-      </p:ext>
-    </p:extLst>
-  </p:cSld>
-  <p:clrMapOvr>
-    <a:masterClrMapping/>
-  </p:clrMapOvr>
-</p:sld>
-</file>
-
-<file path=ppt/slides/slide13.xml><?xml version="1.0" encoding="utf-8"?>
-<p:sld xmlns:a="http://schemas.openxmlformats.org/drawingml/2006/main" xmlns:r="http://schemas.openxmlformats.org/officeDocument/2006/relationships" xmlns:p="http://schemas.openxmlformats.org/presentationml/2006/main">
-  <p:cSld>
-    <p:spTree>
-      <p:nvGrpSpPr>
-        <p:cNvPr id="1" name=""/>
-        <p:cNvGrpSpPr/>
-        <p:nvPr/>
-      </p:nvGrpSpPr>
-      <p:grpSpPr>
-        <a:xfrm>
-          <a:off x="0" y="0"/>
-          <a:ext cx="0" cy="0"/>
-          <a:chOff x="0" y="0"/>
-          <a:chExt cx="0" cy="0"/>
-        </a:xfrm>
-      </p:grpSpPr>
-      <p:sp>
-        <p:nvSpPr>
-          <p:cNvPr id="2" name="Titel 1">
-            <a:extLst>
-              <a:ext uri="{FF2B5EF4-FFF2-40B4-BE49-F238E27FC236}">
-                <a16:creationId xmlns:a16="http://schemas.microsoft.com/office/drawing/2014/main" id="{12CC3376-5069-4C7B-BE6B-A3776D1B47BA}"/>
-              </a:ext>
-            </a:extLst>
-          </p:cNvPr>
-          <p:cNvSpPr>
-            <a:spLocks noGrp="1"/>
-          </p:cNvSpPr>
-          <p:nvPr>
-            <p:ph type="title"/>
-          </p:nvPr>
-        </p:nvSpPr>
-        <p:spPr/>
-        <p:txBody>
-          <a:bodyPr rtlCol="0"/>
-          <a:lstStyle/>
-          <a:p>
-            <a:pPr rtl="0"/>
-            <a:r>
-              <a:rPr lang="de-DE"/>
-              <a:t>ZUSAMMENFASSUNG</a:t>
-            </a:r>
-          </a:p>
-        </p:txBody>
-      </p:sp>
-      <p:pic>
-        <p:nvPicPr>
-          <p:cNvPr id="6" name="Bildplatzhalter 5" descr="Person, die auf Blaupausen an einer Backsteinmauer starrt">
-            <a:extLst>
-              <a:ext uri="{FF2B5EF4-FFF2-40B4-BE49-F238E27FC236}">
-                <a16:creationId xmlns:a16="http://schemas.microsoft.com/office/drawing/2014/main" id="{C07C315A-7CD1-432C-92FA-6B62159B56CA}"/>
-              </a:ext>
-            </a:extLst>
-          </p:cNvPr>
-          <p:cNvPicPr>
-            <a:picLocks noGrp="1" noChangeAspect="1"/>
-          </p:cNvPicPr>
-          <p:nvPr>
-            <p:ph type="pic" sz="quarter" idx="14"/>
-          </p:nvPr>
-        </p:nvPicPr>
-        <p:blipFill rotWithShape="1">
-          <a:blip r:embed="rId3">
-            <a:extLst>
-              <a:ext uri="{BEBA8EAE-BF5A-486C-A8C5-ECC9F3942E4B}">
-                <a14:imgProps xmlns:a14="http://schemas.microsoft.com/office/drawing/2010/main">
-                  <a14:imgLayer r:embed="rId4">
-                    <a14:imgEffect>
-                      <a14:saturation sat="0"/>
-                    </a14:imgEffect>
-                  </a14:imgLayer>
-                </a14:imgProps>
-              </a:ext>
-            </a:extLst>
-          </a:blip>
-          <a:srcRect l="23552" t="1" r="23880" b="327"/>
-          <a:stretch/>
-        </p:blipFill>
-        <p:spPr>
-          <a:xfrm>
-            <a:off x="0" y="0"/>
-            <a:ext cx="5416550" cy="6858000"/>
-          </a:xfrm>
-        </p:spPr>
-      </p:pic>
-      <p:sp>
-        <p:nvSpPr>
-          <p:cNvPr id="14" name="Inhaltsplatzhalter 13">
-            <a:extLst>
-              <a:ext uri="{FF2B5EF4-FFF2-40B4-BE49-F238E27FC236}">
-                <a16:creationId xmlns:a16="http://schemas.microsoft.com/office/drawing/2014/main" id="{79248A72-A597-48DF-A270-3389F5D209C0}"/>
-              </a:ext>
-            </a:extLst>
-          </p:cNvPr>
-          <p:cNvSpPr>
-            <a:spLocks noGrp="1"/>
-          </p:cNvSpPr>
-          <p:nvPr>
-            <p:ph idx="1"/>
-          </p:nvPr>
-        </p:nvSpPr>
-        <p:spPr>
-          <a:xfrm>
-            <a:off x="6096000" y="1660945"/>
-            <a:ext cx="5669280" cy="4208346"/>
-          </a:xfrm>
-        </p:spPr>
-        <p:txBody>
-          <a:bodyPr rtlCol="0">
-            <a:normAutofit fontScale="92500" lnSpcReduction="20000"/>
-          </a:bodyPr>
-          <a:lstStyle/>
-          <a:p>
-            <a:pPr marL="0" marR="0" lvl="0" indent="0" algn="l" defTabSz="914400" rtl="0" eaLnBrk="1" fontAlgn="auto" latinLnBrk="0" hangingPunct="1">
-              <a:lnSpc>
-                <a:spcPct val="100000"/>
-              </a:lnSpc>
-              <a:spcBef>
-                <a:spcPts val="1000"/>
-              </a:spcBef>
-              <a:spcAft>
-                <a:spcPts val="0"/>
-              </a:spcAft>
-              <a:buClrTx/>
-              <a:buSzTx/>
-              <a:buFont typeface="Arial" panose="020B0604020202020204" pitchFamily="34" charset="0"/>
-              <a:buNone/>
-              <a:tabLst/>
-              <a:defRPr/>
-            </a:pPr>
-            <a:r>
-              <a:rPr lang="de-DE" sz="2000" b="0" i="0" u="none" strike="noStrike" kern="1200" cap="none" spc="300" normalizeH="0">
-                <a:ln>
-                  <a:noFill/>
-                </a:ln>
-                <a:solidFill>
-                  <a:schemeClr val="tx1"/>
-                </a:solidFill>
-                <a:effectLst/>
-                <a:uLnTx/>
-                <a:uFillTx/>
-                <a:latin typeface="+mn-lt"/>
-                <a:ea typeface="+mn-ea"/>
-                <a:cs typeface="Biome Light" panose="020B0303030204020804" pitchFamily="34" charset="0"/>
-              </a:rPr>
-              <a:t>UNSER GESCHÄFT ENTWICKELT SICH GUT</a:t>
-            </a:r>
-          </a:p>
-          <a:p>
-            <a:pPr marL="0" marR="0" lvl="0" indent="0" algn="l" defTabSz="914400" rtl="0" eaLnBrk="1" fontAlgn="auto" latinLnBrk="0" hangingPunct="1">
-              <a:lnSpc>
-                <a:spcPct val="100000"/>
-              </a:lnSpc>
-              <a:spcBef>
-                <a:spcPts val="1000"/>
-              </a:spcBef>
-              <a:spcAft>
-                <a:spcPts val="0"/>
-              </a:spcAft>
-              <a:buClrTx/>
-              <a:buSzTx/>
-              <a:buFont typeface="Arial" panose="020B0604020202020204" pitchFamily="34" charset="0"/>
-              <a:buNone/>
-              <a:tabLst/>
-              <a:defRPr/>
-            </a:pPr>
-            <a:r>
-              <a:rPr lang="de-DE" sz="1600" b="0" i="0" u="none" strike="noStrike" kern="1200" cap="none" spc="0" normalizeH="0">
-                <a:ln>
-                  <a:noFill/>
-                </a:ln>
-                <a:solidFill>
-                  <a:schemeClr val="tx1"/>
-                </a:solidFill>
-                <a:effectLst/>
-                <a:uLnTx/>
-                <a:uFillTx/>
-                <a:latin typeface="+mn-lt"/>
-                <a:ea typeface="+mn-ea"/>
-                <a:cs typeface="Biome Light" panose="020B0303030204020804" pitchFamily="34" charset="0"/>
-              </a:rPr>
-              <a:t>Die Gewinne sind im letzten Quartal um 3 % gestiegen</a:t>
-            </a:r>
-          </a:p>
-          <a:p>
-            <a:pPr marL="0" marR="0" lvl="0" indent="0" algn="l" defTabSz="914400" rtl="0" eaLnBrk="1" fontAlgn="auto" latinLnBrk="0" hangingPunct="1">
-              <a:lnSpc>
-                <a:spcPct val="100000"/>
-              </a:lnSpc>
-              <a:spcBef>
-                <a:spcPts val="1000"/>
-              </a:spcBef>
-              <a:spcAft>
-                <a:spcPts val="0"/>
-              </a:spcAft>
-              <a:buClrTx/>
-              <a:buSzTx/>
-              <a:buFont typeface="Arial" panose="020B0604020202020204" pitchFamily="34" charset="0"/>
-              <a:buNone/>
-              <a:tabLst/>
-              <a:defRPr/>
-            </a:pPr>
-            <a:endParaRPr kumimoji="0" lang="de-DE" sz="1600" b="0" i="0" u="none" strike="noStrike" kern="1200" cap="none" spc="0" normalizeH="0" baseline="0">
-              <a:ln>
-                <a:noFill/>
-              </a:ln>
-              <a:solidFill>
-                <a:schemeClr val="tx1"/>
-              </a:solidFill>
-              <a:effectLst/>
-              <a:uLnTx/>
-              <a:uFillTx/>
-              <a:latin typeface="+mn-lt"/>
-              <a:ea typeface="+mn-ea"/>
-              <a:cs typeface="Biome Light" panose="020B0303030204020804" pitchFamily="34" charset="0"/>
-            </a:endParaRPr>
-          </a:p>
-          <a:p>
-            <a:pPr marL="0" marR="0" lvl="0" indent="0" algn="l" defTabSz="914400" rtl="0" eaLnBrk="1" fontAlgn="auto" latinLnBrk="0" hangingPunct="1">
-              <a:lnSpc>
-                <a:spcPct val="100000"/>
-              </a:lnSpc>
-              <a:spcBef>
-                <a:spcPts val="1000"/>
-              </a:spcBef>
-              <a:spcAft>
-                <a:spcPts val="0"/>
-              </a:spcAft>
-              <a:buClrTx/>
-              <a:buSzTx/>
-              <a:buFont typeface="Arial" panose="020B0604020202020204" pitchFamily="34" charset="0"/>
-              <a:buNone/>
-              <a:tabLst/>
-              <a:defRPr/>
-            </a:pPr>
-            <a:r>
-              <a:rPr lang="de-DE" sz="2000" b="0" i="0" u="none" strike="noStrike" kern="1200" cap="none" spc="300" normalizeH="0">
-                <a:ln>
-                  <a:noFill/>
-                </a:ln>
-                <a:solidFill>
-                  <a:schemeClr val="tx1"/>
-                </a:solidFill>
-                <a:effectLst/>
-                <a:uLnTx/>
-                <a:uFillTx/>
-                <a:latin typeface="+mn-lt"/>
-                <a:ea typeface="+mn-ea"/>
-                <a:cs typeface="Biome Light" panose="020B0303030204020804" pitchFamily="34" charset="0"/>
-              </a:rPr>
-              <a:t>WIR ERLEDIGEN UNSERE ARBEIT</a:t>
-            </a:r>
-          </a:p>
-          <a:p>
-            <a:pPr marL="0" marR="0" lvl="0" indent="0" algn="l" defTabSz="914400" rtl="0" eaLnBrk="1" fontAlgn="auto" latinLnBrk="0" hangingPunct="1">
-              <a:lnSpc>
-                <a:spcPct val="100000"/>
-              </a:lnSpc>
-              <a:spcBef>
-                <a:spcPts val="1000"/>
-              </a:spcBef>
-              <a:spcAft>
-                <a:spcPts val="0"/>
-              </a:spcAft>
-              <a:buClrTx/>
-              <a:buSzTx/>
-              <a:buFont typeface="Arial" panose="020B0604020202020204" pitchFamily="34" charset="0"/>
-              <a:buNone/>
-              <a:tabLst/>
-              <a:defRPr/>
-            </a:pPr>
-            <a:r>
-              <a:rPr lang="de-DE" sz="1600" b="0" i="0" u="none" strike="noStrike" kern="1200" cap="none" spc="0" normalizeH="0">
-                <a:ln>
-                  <a:noFill/>
-                </a:ln>
-                <a:solidFill>
-                  <a:schemeClr val="tx1"/>
-                </a:solidFill>
-                <a:effectLst/>
-                <a:uLnTx/>
-                <a:uFillTx/>
-                <a:latin typeface="+mn-lt"/>
-                <a:ea typeface="+mn-ea"/>
-                <a:cs typeface="Biome Light" panose="020B0303030204020804" pitchFamily="34" charset="0"/>
-              </a:rPr>
-              <a:t>Wir haben das Konsolidierungsprojekt abgeschlossen</a:t>
-            </a:r>
-          </a:p>
-          <a:p>
-            <a:pPr marL="0" marR="0" lvl="0" indent="0" algn="l" defTabSz="914400" rtl="0" eaLnBrk="1" fontAlgn="auto" latinLnBrk="0" hangingPunct="1">
-              <a:lnSpc>
-                <a:spcPct val="100000"/>
-              </a:lnSpc>
-              <a:spcBef>
-                <a:spcPts val="1000"/>
-              </a:spcBef>
-              <a:spcAft>
-                <a:spcPts val="0"/>
-              </a:spcAft>
-              <a:buClrTx/>
-              <a:buSzTx/>
-              <a:buFont typeface="Arial" panose="020B0604020202020204" pitchFamily="34" charset="0"/>
-              <a:buNone/>
-              <a:tabLst/>
-              <a:defRPr/>
-            </a:pPr>
-            <a:endParaRPr kumimoji="0" lang="de-DE" sz="1600" b="0" i="0" u="none" strike="noStrike" kern="1200" cap="none" spc="0" normalizeH="0" baseline="0">
-              <a:ln>
-                <a:noFill/>
-              </a:ln>
-              <a:solidFill>
-                <a:schemeClr val="tx1"/>
-              </a:solidFill>
-              <a:effectLst/>
-              <a:uLnTx/>
-              <a:uFillTx/>
-              <a:latin typeface="+mn-lt"/>
-              <a:ea typeface="+mn-ea"/>
-              <a:cs typeface="Biome Light" panose="020B0303030204020804" pitchFamily="34" charset="0"/>
-            </a:endParaRPr>
-          </a:p>
-          <a:p>
-            <a:pPr marL="0" marR="0" lvl="0" indent="0" algn="l" defTabSz="914400" rtl="0" eaLnBrk="1" fontAlgn="auto" latinLnBrk="0" hangingPunct="1">
-              <a:lnSpc>
-                <a:spcPct val="100000"/>
-              </a:lnSpc>
-              <a:spcBef>
-                <a:spcPts val="1000"/>
-              </a:spcBef>
-              <a:spcAft>
-                <a:spcPts val="0"/>
-              </a:spcAft>
-              <a:buClrTx/>
-              <a:buSzTx/>
-              <a:buFont typeface="Arial" panose="020B0604020202020204" pitchFamily="34" charset="0"/>
-              <a:buNone/>
-              <a:tabLst/>
-              <a:defRPr/>
-            </a:pPr>
-            <a:r>
-              <a:rPr lang="de-DE" sz="2000" b="0" i="0" u="none" strike="noStrike" kern="1200" cap="none" spc="300" normalizeH="0">
-                <a:ln>
-                  <a:noFill/>
-                </a:ln>
-                <a:solidFill>
-                  <a:schemeClr val="tx1"/>
-                </a:solidFill>
-                <a:effectLst/>
-                <a:uLnTx/>
-                <a:uFillTx/>
-                <a:latin typeface="+mn-lt"/>
-                <a:ea typeface="+mn-ea"/>
-                <a:cs typeface="Biome Light" panose="020B0303030204020804" pitchFamily="34" charset="0"/>
-              </a:rPr>
-              <a:t>WIR STELLEN UNSERE KUNDEN ZUFRIEDEN</a:t>
-            </a:r>
-          </a:p>
-          <a:p>
-            <a:pPr marL="0" marR="0" lvl="0" indent="0" algn="l" defTabSz="914400" rtl="0" eaLnBrk="1" fontAlgn="auto" latinLnBrk="0" hangingPunct="1">
-              <a:lnSpc>
-                <a:spcPct val="100000"/>
-              </a:lnSpc>
-              <a:spcBef>
-                <a:spcPts val="1000"/>
-              </a:spcBef>
-              <a:spcAft>
-                <a:spcPts val="0"/>
-              </a:spcAft>
-              <a:buClrTx/>
-              <a:buSzTx/>
-              <a:buFont typeface="Arial" panose="020B0604020202020204" pitchFamily="34" charset="0"/>
-              <a:buNone/>
-              <a:tabLst/>
-              <a:defRPr/>
-            </a:pPr>
-            <a:r>
-              <a:rPr lang="de-DE" sz="1600" b="0" i="0" u="none" strike="noStrike" kern="1200" cap="none" spc="0" normalizeH="0">
-                <a:ln>
-                  <a:noFill/>
-                </a:ln>
-                <a:solidFill>
-                  <a:schemeClr val="tx1"/>
-                </a:solidFill>
-                <a:effectLst/>
-                <a:uLnTx/>
-                <a:uFillTx/>
-                <a:latin typeface="+mn-lt"/>
-                <a:ea typeface="+mn-ea"/>
-                <a:cs typeface="Biome Light" panose="020B0303030204020804" pitchFamily="34" charset="0"/>
-              </a:rPr>
-              <a:t>Die Kundenzufriedenheit ist von 70 auf 80 % gestiegen</a:t>
-            </a:r>
-          </a:p>
-          <a:p>
-            <a:pPr marL="0" marR="0" lvl="0" indent="0" algn="l" defTabSz="914400" rtl="0" eaLnBrk="1" fontAlgn="auto" latinLnBrk="0" hangingPunct="1">
-              <a:lnSpc>
-                <a:spcPct val="100000"/>
-              </a:lnSpc>
-              <a:spcBef>
-                <a:spcPts val="1000"/>
-              </a:spcBef>
-              <a:spcAft>
-                <a:spcPts val="0"/>
-              </a:spcAft>
-              <a:buClrTx/>
-              <a:buSzTx/>
-              <a:buFont typeface="Arial" panose="020B0604020202020204" pitchFamily="34" charset="0"/>
-              <a:buNone/>
-              <a:tabLst/>
-              <a:defRPr/>
-            </a:pPr>
-            <a:endParaRPr kumimoji="0" lang="de-DE" sz="1600" b="0" i="0" u="none" strike="noStrike" kern="1200" cap="none" spc="0" normalizeH="0" baseline="0">
-              <a:ln>
-                <a:noFill/>
-              </a:ln>
-              <a:solidFill>
-                <a:schemeClr val="tx1"/>
-              </a:solidFill>
-              <a:effectLst/>
-              <a:uLnTx/>
-              <a:uFillTx/>
-              <a:latin typeface="+mn-lt"/>
-              <a:ea typeface="+mn-ea"/>
-              <a:cs typeface="Biome Light" panose="020B0303030204020804" pitchFamily="34" charset="0"/>
-            </a:endParaRPr>
-          </a:p>
-          <a:p>
-            <a:pPr marL="0" marR="0" lvl="0" indent="0" algn="l" defTabSz="914400" rtl="0" eaLnBrk="1" fontAlgn="auto" latinLnBrk="0" hangingPunct="1">
-              <a:lnSpc>
-                <a:spcPct val="100000"/>
-              </a:lnSpc>
-              <a:spcBef>
-                <a:spcPts val="1000"/>
-              </a:spcBef>
-              <a:spcAft>
-                <a:spcPts val="0"/>
-              </a:spcAft>
-              <a:buClrTx/>
-              <a:buSzTx/>
-              <a:buFont typeface="Arial" panose="020B0604020202020204" pitchFamily="34" charset="0"/>
-              <a:buNone/>
-              <a:tabLst/>
-              <a:defRPr/>
-            </a:pPr>
-            <a:r>
-              <a:rPr lang="de-DE" sz="2000" b="0" i="0" u="none" strike="noStrike" kern="1200" cap="none" spc="300" normalizeH="0">
-                <a:ln>
-                  <a:noFill/>
-                </a:ln>
-                <a:solidFill>
-                  <a:schemeClr val="tx1"/>
-                </a:solidFill>
-                <a:effectLst/>
-                <a:uLnTx/>
-                <a:uFillTx/>
-                <a:latin typeface="+mn-lt"/>
-                <a:ea typeface="+mn-ea"/>
-                <a:cs typeface="Biome Light" panose="020B0303030204020804" pitchFamily="34" charset="0"/>
-              </a:rPr>
-              <a:t>UNSERE KUNDEN KOMMEN IMMER WIEDER</a:t>
-            </a:r>
-          </a:p>
-          <a:p>
-            <a:pPr marL="0" marR="0" lvl="0" indent="0" algn="l" defTabSz="914400" rtl="0" eaLnBrk="1" fontAlgn="auto" latinLnBrk="0" hangingPunct="1">
-              <a:lnSpc>
-                <a:spcPct val="100000"/>
-              </a:lnSpc>
-              <a:spcBef>
-                <a:spcPts val="1000"/>
-              </a:spcBef>
-              <a:spcAft>
-                <a:spcPts val="0"/>
-              </a:spcAft>
-              <a:buClrTx/>
-              <a:buSzTx/>
-              <a:buFont typeface="Arial" panose="020B0604020202020204" pitchFamily="34" charset="0"/>
-              <a:buNone/>
-              <a:tabLst/>
-              <a:defRPr/>
-            </a:pPr>
-            <a:r>
-              <a:rPr lang="de-DE" sz="1600" b="0" i="0" u="none" strike="noStrike" kern="1200" cap="none" spc="0" normalizeH="0">
-                <a:ln>
-                  <a:noFill/>
-                </a:ln>
-                <a:solidFill>
-                  <a:schemeClr val="tx1"/>
-                </a:solidFill>
-                <a:effectLst/>
-                <a:uLnTx/>
-                <a:uFillTx/>
-                <a:latin typeface="+mn-lt"/>
-                <a:ea typeface="+mn-ea"/>
-                <a:cs typeface="Biome Light" panose="020B0303030204020804" pitchFamily="34" charset="0"/>
-              </a:rPr>
-              <a:t>Wir haben die Kundenbindung um 4 % erhöht</a:t>
-            </a:r>
-          </a:p>
-          <a:p>
-            <a:pPr rtl="0"/>
-            <a:endParaRPr lang="de-DE" b="1"/>
-          </a:p>
-        </p:txBody>
-      </p:sp>
-      <p:sp>
-        <p:nvSpPr>
-          <p:cNvPr id="16" name="Foliennummernplatzhalter 15">
-            <a:extLst>
-              <a:ext uri="{FF2B5EF4-FFF2-40B4-BE49-F238E27FC236}">
-                <a16:creationId xmlns:a16="http://schemas.microsoft.com/office/drawing/2014/main" id="{7FA57D11-A25F-4772-8E50-DDB68BE8CB69}"/>
-              </a:ext>
-            </a:extLst>
-          </p:cNvPr>
-          <p:cNvSpPr>
-            <a:spLocks noGrp="1"/>
-          </p:cNvSpPr>
-          <p:nvPr>
-            <p:ph type="sldNum" sz="quarter" idx="4"/>
-          </p:nvPr>
-        </p:nvSpPr>
-        <p:spPr/>
-        <p:txBody>
-          <a:bodyPr rtlCol="0"/>
-          <a:lstStyle/>
-          <a:p>
-            <a:pPr rtl="0"/>
-            <a:fld id="{8C2E478F-E849-4A8C-AF1F-CBCC78A7CBFA}" type="slidenum">
-              <a:rPr lang="de-DE" smtClean="0"/>
-              <a:t>13</a:t>
-            </a:fld>
-            <a:endParaRPr lang="de-DE"/>
-          </a:p>
-        </p:txBody>
-      </p:sp>
-    </p:spTree>
-    <p:extLst>
-      <p:ext uri="{BB962C8B-B14F-4D97-AF65-F5344CB8AC3E}">
-        <p14:creationId xmlns:p14="http://schemas.microsoft.com/office/powerpoint/2010/main" val="3516891798"/>
-      </p:ext>
-    </p:extLst>
-  </p:cSld>
-  <p:clrMapOvr>
-    <a:masterClrMapping/>
-  </p:clrMapOvr>
-</p:sld>
-</file>
-
 <file path=ppt/slides/slide2.xml><?xml version="1.0" encoding="utf-8"?>
 <p:sld xmlns:a="http://schemas.openxmlformats.org/drawingml/2006/main" xmlns:r="http://schemas.openxmlformats.org/officeDocument/2006/relationships" xmlns:p="http://schemas.openxmlformats.org/presentationml/2006/main">
   <p:cSld>
@@ -10930,10 +6875,10 @@
           <a:lstStyle/>
           <a:p>
             <a:r>
-              <a:rPr lang="de-DE" dirty="0"/>
+              <a:rPr lang="de-DE" sz="5400" dirty="0"/>
               <a:t>Fragestellung</a:t>
             </a:r>
-            <a:endParaRPr lang="de-DE" dirty="0" err="1">
+            <a:endParaRPr lang="de-DE" sz="5400" dirty="0" err="1">
               <a:ea typeface="Calibri Light"/>
               <a:cs typeface="Calibri Light"/>
             </a:endParaRPr>
@@ -11199,22 +7144,58 @@
                 <a:ea typeface="Calibri"/>
                 <a:cs typeface="Calibri"/>
               </a:rPr>
-              <a:t>Intention</a:t>
-            </a:r>
-            <a:endParaRPr lang="de-DE"/>
-          </a:p>
-          <a:p>
-            <a:pPr lvl="1"/>
+              <a:t>Einfluss von Privatpersonen auf den Wirtschaftsmarkt</a:t>
+            </a:r>
+            <a:endParaRPr lang="de-DE" dirty="0">
+              <a:ea typeface="Calibri"/>
+              <a:cs typeface="Calibri"/>
+            </a:endParaRPr>
+          </a:p>
+          <a:p>
+            <a:pPr>
+              <a:buFont typeface="Wingdings" panose="020B0604020202020204" pitchFamily="34" charset="0"/>
+              <a:buChar char="§"/>
+            </a:pPr>
             <a:r>
               <a:rPr lang="de-DE" sz="2400" b="1" dirty="0">
                 <a:ea typeface="Calibri"/>
                 <a:cs typeface="Calibri"/>
               </a:rPr>
-              <a:t>Einzelner Mensch Einfluss auf Wirtschaftsmarkt</a:t>
-            </a:r>
-          </a:p>
-          <a:p>
-            <a:pPr lvl="1"/>
+              <a:t>Verstärkung durch </a:t>
+            </a:r>
+            <a:r>
+              <a:rPr lang="de-DE" sz="2400" b="1" err="1">
+                <a:ea typeface="Calibri"/>
+                <a:cs typeface="Calibri"/>
+              </a:rPr>
+              <a:t>Social</a:t>
+            </a:r>
+            <a:r>
+              <a:rPr lang="de-DE" sz="2400" b="1" dirty="0">
+                <a:ea typeface="Calibri"/>
+                <a:cs typeface="Calibri"/>
+              </a:rPr>
+              <a:t> Media</a:t>
+            </a:r>
+          </a:p>
+          <a:p>
+            <a:pPr>
+              <a:buFont typeface="Wingdings" panose="020B0604020202020204" pitchFamily="34" charset="0"/>
+              <a:buChar char="§"/>
+            </a:pPr>
+            <a:r>
+              <a:rPr lang="de-DE" sz="2400" b="1" dirty="0">
+                <a:ea typeface="Calibri"/>
+                <a:cs typeface="Calibri"/>
+              </a:rPr>
+              <a:t>Polarisation</a:t>
+            </a:r>
+          </a:p>
+          <a:p>
+            <a:pPr>
+              <a:buFont typeface="Wingdings" panose="020B0604020202020204" pitchFamily="34" charset="0"/>
+              <a:buChar char="§"/>
+            </a:pPr>
             <a:r>
               <a:rPr lang="de-DE" sz="2400" b="1" dirty="0">
                 <a:ea typeface="Calibri"/>
@@ -11222,6 +7203,26 @@
               </a:rPr>
               <a:t>Legalität</a:t>
             </a:r>
+          </a:p>
+          <a:p>
+            <a:pPr>
+              <a:buFont typeface="Wingdings" panose="020B0604020202020204" pitchFamily="34" charset="0"/>
+              <a:buChar char="§"/>
+            </a:pPr>
+            <a:endParaRPr lang="de-DE" sz="2400" b="1" dirty="0">
+              <a:ea typeface="Calibri"/>
+              <a:cs typeface="Calibri"/>
+            </a:endParaRPr>
+          </a:p>
+          <a:p>
+            <a:pPr>
+              <a:buFont typeface="Wingdings" panose="020B0604020202020204" pitchFamily="34" charset="0"/>
+              <a:buChar char="§"/>
+            </a:pPr>
+            <a:endParaRPr lang="de-DE" sz="2400" b="1" dirty="0">
+              <a:ea typeface="Calibri"/>
+              <a:cs typeface="Calibri"/>
+            </a:endParaRPr>
           </a:p>
           <a:p>
             <a:pPr lvl="1"/>
@@ -11249,6 +7250,235 @@
   <p:clrMapOvr>
     <a:masterClrMapping/>
   </p:clrMapOvr>
+  <p:timing>
+    <p:tnLst>
+      <p:par>
+        <p:cTn id="1" dur="indefinite" restart="never" nodeType="tmRoot">
+          <p:childTnLst>
+            <p:seq concurrent="1" nextAc="seek">
+              <p:cTn id="2" dur="indefinite" nodeType="mainSeq">
+                <p:childTnLst>
+                  <p:par>
+                    <p:cTn id="3" fill="hold">
+                      <p:stCondLst>
+                        <p:cond delay="indefinite"/>
+                      </p:stCondLst>
+                      <p:childTnLst>
+                        <p:par>
+                          <p:cTn id="4" fill="hold">
+                            <p:stCondLst>
+                              <p:cond delay="0"/>
+                            </p:stCondLst>
+                            <p:childTnLst>
+                              <p:par>
+                                <p:cTn id="5" presetID="1" presetClass="entr" presetSubtype="0" fill="hold" grpId="0" nodeType="clickEffect">
+                                  <p:stCondLst>
+                                    <p:cond delay="0"/>
+                                  </p:stCondLst>
+                                  <p:childTnLst>
+                                    <p:set>
+                                      <p:cBhvr>
+                                        <p:cTn id="6" dur="1" fill="hold">
+                                          <p:stCondLst>
+                                            <p:cond delay="0"/>
+                                          </p:stCondLst>
+                                        </p:cTn>
+                                        <p:tgtEl>
+                                          <p:spTgt spid="4">
+                                            <p:txEl>
+                                              <p:pRg st="0" end="0"/>
+                                            </p:txEl>
+                                          </p:spTgt>
+                                        </p:tgtEl>
+                                        <p:attrNameLst>
+                                          <p:attrName>style.visibility</p:attrName>
+                                        </p:attrNameLst>
+                                      </p:cBhvr>
+                                      <p:to>
+                                        <p:strVal val="visible"/>
+                                      </p:to>
+                                    </p:set>
+                                  </p:childTnLst>
+                                </p:cTn>
+                              </p:par>
+                            </p:childTnLst>
+                          </p:cTn>
+                        </p:par>
+                      </p:childTnLst>
+                    </p:cTn>
+                  </p:par>
+                  <p:par>
+                    <p:cTn id="7" fill="hold">
+                      <p:stCondLst>
+                        <p:cond delay="indefinite"/>
+                      </p:stCondLst>
+                      <p:childTnLst>
+                        <p:par>
+                          <p:cTn id="8" fill="hold">
+                            <p:stCondLst>
+                              <p:cond delay="0"/>
+                            </p:stCondLst>
+                            <p:childTnLst>
+                              <p:par>
+                                <p:cTn id="9" presetID="1" presetClass="entr" presetSubtype="0" fill="hold" grpId="0" nodeType="clickEffect">
+                                  <p:stCondLst>
+                                    <p:cond delay="0"/>
+                                  </p:stCondLst>
+                                  <p:childTnLst>
+                                    <p:set>
+                                      <p:cBhvr>
+                                        <p:cTn id="10" dur="1" fill="hold">
+                                          <p:stCondLst>
+                                            <p:cond delay="0"/>
+                                          </p:stCondLst>
+                                        </p:cTn>
+                                        <p:tgtEl>
+                                          <p:spTgt spid="4">
+                                            <p:txEl>
+                                              <p:pRg st="1" end="1"/>
+                                            </p:txEl>
+                                          </p:spTgt>
+                                        </p:tgtEl>
+                                        <p:attrNameLst>
+                                          <p:attrName>style.visibility</p:attrName>
+                                        </p:attrNameLst>
+                                      </p:cBhvr>
+                                      <p:to>
+                                        <p:strVal val="visible"/>
+                                      </p:to>
+                                    </p:set>
+                                  </p:childTnLst>
+                                </p:cTn>
+                              </p:par>
+                            </p:childTnLst>
+                          </p:cTn>
+                        </p:par>
+                      </p:childTnLst>
+                    </p:cTn>
+                  </p:par>
+                  <p:par>
+                    <p:cTn id="11" fill="hold">
+                      <p:stCondLst>
+                        <p:cond delay="indefinite"/>
+                      </p:stCondLst>
+                      <p:childTnLst>
+                        <p:par>
+                          <p:cTn id="12" fill="hold">
+                            <p:stCondLst>
+                              <p:cond delay="0"/>
+                            </p:stCondLst>
+                            <p:childTnLst>
+                              <p:par>
+                                <p:cTn id="13" presetID="1" presetClass="entr" presetSubtype="0" fill="hold" grpId="0" nodeType="clickEffect">
+                                  <p:stCondLst>
+                                    <p:cond delay="0"/>
+                                  </p:stCondLst>
+                                  <p:childTnLst>
+                                    <p:set>
+                                      <p:cBhvr>
+                                        <p:cTn id="14" dur="1" fill="hold">
+                                          <p:stCondLst>
+                                            <p:cond delay="0"/>
+                                          </p:stCondLst>
+                                        </p:cTn>
+                                        <p:tgtEl>
+                                          <p:spTgt spid="4">
+                                            <p:txEl>
+                                              <p:pRg st="2" end="2"/>
+                                            </p:txEl>
+                                          </p:spTgt>
+                                        </p:tgtEl>
+                                        <p:attrNameLst>
+                                          <p:attrName>style.visibility</p:attrName>
+                                        </p:attrNameLst>
+                                      </p:cBhvr>
+                                      <p:to>
+                                        <p:strVal val="visible"/>
+                                      </p:to>
+                                    </p:set>
+                                  </p:childTnLst>
+                                </p:cTn>
+                              </p:par>
+                            </p:childTnLst>
+                          </p:cTn>
+                        </p:par>
+                      </p:childTnLst>
+                    </p:cTn>
+                  </p:par>
+                  <p:par>
+                    <p:cTn id="15" fill="hold">
+                      <p:stCondLst>
+                        <p:cond delay="indefinite"/>
+                      </p:stCondLst>
+                      <p:childTnLst>
+                        <p:par>
+                          <p:cTn id="16" fill="hold">
+                            <p:stCondLst>
+                              <p:cond delay="0"/>
+                            </p:stCondLst>
+                            <p:childTnLst>
+                              <p:par>
+                                <p:cTn id="17" presetID="1" presetClass="entr" presetSubtype="0" fill="hold" grpId="0" nodeType="clickEffect">
+                                  <p:stCondLst>
+                                    <p:cond delay="0"/>
+                                  </p:stCondLst>
+                                  <p:childTnLst>
+                                    <p:set>
+                                      <p:cBhvr>
+                                        <p:cTn id="18" dur="1" fill="hold">
+                                          <p:stCondLst>
+                                            <p:cond delay="0"/>
+                                          </p:stCondLst>
+                                        </p:cTn>
+                                        <p:tgtEl>
+                                          <p:spTgt spid="4">
+                                            <p:txEl>
+                                              <p:pRg st="3" end="3"/>
+                                            </p:txEl>
+                                          </p:spTgt>
+                                        </p:tgtEl>
+                                        <p:attrNameLst>
+                                          <p:attrName>style.visibility</p:attrName>
+                                        </p:attrNameLst>
+                                      </p:cBhvr>
+                                      <p:to>
+                                        <p:strVal val="visible"/>
+                                      </p:to>
+                                    </p:set>
+                                  </p:childTnLst>
+                                </p:cTn>
+                              </p:par>
+                            </p:childTnLst>
+                          </p:cTn>
+                        </p:par>
+                      </p:childTnLst>
+                    </p:cTn>
+                  </p:par>
+                </p:childTnLst>
+              </p:cTn>
+              <p:prevCondLst>
+                <p:cond evt="onPrev" delay="0">
+                  <p:tgtEl>
+                    <p:sldTgt/>
+                  </p:tgtEl>
+                </p:cond>
+              </p:prevCondLst>
+              <p:nextCondLst>
+                <p:cond evt="onNext" delay="0">
+                  <p:tgtEl>
+                    <p:sldTgt/>
+                  </p:tgtEl>
+                </p:cond>
+              </p:nextCondLst>
+            </p:seq>
+          </p:childTnLst>
+        </p:cTn>
+      </p:par>
+    </p:tnLst>
+    <p:bldLst>
+      <p:bldP spid="4" grpId="0" build="p"/>
+    </p:bldLst>
+  </p:timing>
 </p:sld>
 </file>
 
@@ -13113,479 +9343,6 @@
     <p:extLst>
       <p:ext uri="{BB962C8B-B14F-4D97-AF65-F5344CB8AC3E}">
         <p14:creationId xmlns:p14="http://schemas.microsoft.com/office/powerpoint/2010/main" val="927727573"/>
-      </p:ext>
-    </p:extLst>
-  </p:cSld>
-  <p:clrMapOvr>
-    <a:masterClrMapping/>
-  </p:clrMapOvr>
-</p:sld>
-</file>
-
-<file path=ppt/slides/slide9.xml><?xml version="1.0" encoding="utf-8"?>
-<p:sld xmlns:a="http://schemas.openxmlformats.org/drawingml/2006/main" xmlns:r="http://schemas.openxmlformats.org/officeDocument/2006/relationships" xmlns:p="http://schemas.openxmlformats.org/presentationml/2006/main">
-  <p:cSld>
-    <p:spTree>
-      <p:nvGrpSpPr>
-        <p:cNvPr id="1" name=""/>
-        <p:cNvGrpSpPr/>
-        <p:nvPr/>
-      </p:nvGrpSpPr>
-      <p:grpSpPr>
-        <a:xfrm>
-          <a:off x="0" y="0"/>
-          <a:ext cx="0" cy="0"/>
-          <a:chOff x="0" y="0"/>
-          <a:chExt cx="0" cy="0"/>
-        </a:xfrm>
-      </p:grpSpPr>
-      <p:sp>
-        <p:nvSpPr>
-          <p:cNvPr id="12" name="Titel 11">
-            <a:extLst>
-              <a:ext uri="{FF2B5EF4-FFF2-40B4-BE49-F238E27FC236}">
-                <a16:creationId xmlns:a16="http://schemas.microsoft.com/office/drawing/2014/main" id="{50AEA731-C7D0-4A0E-B871-4F369D8BEAC5}"/>
-              </a:ext>
-            </a:extLst>
-          </p:cNvPr>
-          <p:cNvSpPr>
-            <a:spLocks noGrp="1"/>
-          </p:cNvSpPr>
-          <p:nvPr>
-            <p:ph type="title"/>
-          </p:nvPr>
-        </p:nvSpPr>
-        <p:spPr/>
-        <p:txBody>
-          <a:bodyPr rtlCol="0"/>
-          <a:lstStyle/>
-          <a:p>
-            <a:pPr rtl="0"/>
-            <a:r>
-              <a:rPr lang="de-DE"/>
-              <a:t>Das Team in Person</a:t>
-            </a:r>
-          </a:p>
-        </p:txBody>
-      </p:sp>
-      <p:pic>
-        <p:nvPicPr>
-          <p:cNvPr id="11" name="Bildplatzhalter 10" descr="Hochformat">
-            <a:extLst>
-              <a:ext uri="{FF2B5EF4-FFF2-40B4-BE49-F238E27FC236}">
-                <a16:creationId xmlns:a16="http://schemas.microsoft.com/office/drawing/2014/main" id="{011BDE68-0A80-4D82-92C3-76544DD8F079}"/>
-              </a:ext>
-            </a:extLst>
-          </p:cNvPr>
-          <p:cNvPicPr>
-            <a:picLocks noGrp="1" noChangeAspect="1"/>
-          </p:cNvPicPr>
-          <p:nvPr>
-            <p:ph type="pic" sz="quarter" idx="14"/>
-          </p:nvPr>
-        </p:nvPicPr>
-        <p:blipFill rotWithShape="1">
-          <a:blip r:embed="rId3" cstate="email">
-            <a:extLst>
-              <a:ext uri="{BEBA8EAE-BF5A-486C-A8C5-ECC9F3942E4B}">
-                <a14:imgProps xmlns:a14="http://schemas.microsoft.com/office/drawing/2010/main">
-                  <a14:imgLayer r:embed="rId4">
-                    <a14:imgEffect>
-                      <a14:saturation sat="0"/>
-                    </a14:imgEffect>
-                  </a14:imgLayer>
-                </a14:imgProps>
-              </a:ext>
-              <a:ext uri="{28A0092B-C50C-407E-A947-70E740481C1C}">
-                <a14:useLocalDpi xmlns:a14="http://schemas.microsoft.com/office/drawing/2010/main"/>
-              </a:ext>
-            </a:extLst>
-          </a:blip>
-          <a:srcRect t="5389" b="5389"/>
-          <a:stretch/>
-        </p:blipFill>
-        <p:spPr/>
-      </p:pic>
-      <p:pic>
-        <p:nvPicPr>
-          <p:cNvPr id="16" name="Bildplatzhalter 15" descr="Hochformat">
-            <a:extLst>
-              <a:ext uri="{FF2B5EF4-FFF2-40B4-BE49-F238E27FC236}">
-                <a16:creationId xmlns:a16="http://schemas.microsoft.com/office/drawing/2014/main" id="{740533F4-86F2-4B1E-96A3-2FA4F436D3A6}"/>
-              </a:ext>
-            </a:extLst>
-          </p:cNvPr>
-          <p:cNvPicPr>
-            <a:picLocks noGrp="1" noChangeAspect="1"/>
-          </p:cNvPicPr>
-          <p:nvPr>
-            <p:ph type="pic" sz="quarter" idx="15"/>
-          </p:nvPr>
-        </p:nvPicPr>
-        <p:blipFill rotWithShape="1">
-          <a:blip r:embed="rId5" cstate="email">
-            <a:extLst>
-              <a:ext uri="{BEBA8EAE-BF5A-486C-A8C5-ECC9F3942E4B}">
-                <a14:imgProps xmlns:a14="http://schemas.microsoft.com/office/drawing/2010/main">
-                  <a14:imgLayer r:embed="rId6">
-                    <a14:imgEffect>
-                      <a14:saturation sat="0"/>
-                    </a14:imgEffect>
-                  </a14:imgLayer>
-                </a14:imgProps>
-              </a:ext>
-              <a:ext uri="{28A0092B-C50C-407E-A947-70E740481C1C}">
-                <a14:useLocalDpi xmlns:a14="http://schemas.microsoft.com/office/drawing/2010/main"/>
-              </a:ext>
-            </a:extLst>
-          </a:blip>
-          <a:srcRect l="33885" t="18388" r="16167" b="36404"/>
-          <a:stretch/>
-        </p:blipFill>
-        <p:spPr>
-          <a:xfrm>
-            <a:off x="4051300" y="365125"/>
-            <a:ext cx="2997200" cy="1781979"/>
-          </a:xfrm>
-        </p:spPr>
-      </p:pic>
-      <p:pic>
-        <p:nvPicPr>
-          <p:cNvPr id="18" name="Bildplatzhalter 17" descr="Hochformat">
-            <a:extLst>
-              <a:ext uri="{FF2B5EF4-FFF2-40B4-BE49-F238E27FC236}">
-                <a16:creationId xmlns:a16="http://schemas.microsoft.com/office/drawing/2014/main" id="{18BC2A5A-7F05-4444-8281-26D531194187}"/>
-              </a:ext>
-            </a:extLst>
-          </p:cNvPr>
-          <p:cNvPicPr>
-            <a:picLocks noGrp="1" noChangeAspect="1"/>
-          </p:cNvPicPr>
-          <p:nvPr>
-            <p:ph type="pic" sz="quarter" idx="16"/>
-          </p:nvPr>
-        </p:nvPicPr>
-        <p:blipFill rotWithShape="1">
-          <a:blip r:embed="rId7" cstate="email">
-            <a:grayscl/>
-            <a:extLst>
-              <a:ext uri="{28A0092B-C50C-407E-A947-70E740481C1C}">
-                <a14:useLocalDpi xmlns:a14="http://schemas.microsoft.com/office/drawing/2010/main"/>
-              </a:ext>
-            </a:extLst>
-          </a:blip>
-          <a:srcRect t="5389" b="5389"/>
-          <a:stretch/>
-        </p:blipFill>
-        <p:spPr/>
-      </p:pic>
-      <p:pic>
-        <p:nvPicPr>
-          <p:cNvPr id="22" name="Bildplatzhalter 21" descr="Hochformat">
-            <a:extLst>
-              <a:ext uri="{FF2B5EF4-FFF2-40B4-BE49-F238E27FC236}">
-                <a16:creationId xmlns:a16="http://schemas.microsoft.com/office/drawing/2014/main" id="{AF3616EE-41A1-44FC-B25A-038F0C3213D4}"/>
-              </a:ext>
-            </a:extLst>
-          </p:cNvPr>
-          <p:cNvPicPr>
-            <a:picLocks noGrp="1" noChangeAspect="1"/>
-          </p:cNvPicPr>
-          <p:nvPr>
-            <p:ph type="pic" sz="quarter" idx="17"/>
-          </p:nvPr>
-        </p:nvPicPr>
-        <p:blipFill rotWithShape="1">
-          <a:blip r:embed="rId8" cstate="email">
-            <a:extLst>
-              <a:ext uri="{BEBA8EAE-BF5A-486C-A8C5-ECC9F3942E4B}">
-                <a14:imgProps xmlns:a14="http://schemas.microsoft.com/office/drawing/2010/main">
-                  <a14:imgLayer r:embed="rId9">
-                    <a14:imgEffect>
-                      <a14:saturation sat="0"/>
-                    </a14:imgEffect>
-                  </a14:imgLayer>
-                </a14:imgProps>
-              </a:ext>
-              <a:ext uri="{28A0092B-C50C-407E-A947-70E740481C1C}">
-                <a14:useLocalDpi xmlns:a14="http://schemas.microsoft.com/office/drawing/2010/main"/>
-              </a:ext>
-            </a:extLst>
-          </a:blip>
-          <a:srcRect t="5389" b="5389"/>
-          <a:stretch/>
-        </p:blipFill>
-        <p:spPr/>
-      </p:pic>
-      <p:pic>
-        <p:nvPicPr>
-          <p:cNvPr id="24" name="Bildplatzhalter 23" descr="Hochformat">
-            <a:extLst>
-              <a:ext uri="{FF2B5EF4-FFF2-40B4-BE49-F238E27FC236}">
-                <a16:creationId xmlns:a16="http://schemas.microsoft.com/office/drawing/2014/main" id="{2708FFA5-E81C-4FD0-970D-C71D36C8D365}"/>
-              </a:ext>
-            </a:extLst>
-          </p:cNvPr>
-          <p:cNvPicPr>
-            <a:picLocks noGrp="1" noChangeAspect="1"/>
-          </p:cNvPicPr>
-          <p:nvPr>
-            <p:ph type="pic" sz="quarter" idx="18"/>
-          </p:nvPr>
-        </p:nvPicPr>
-        <p:blipFill rotWithShape="1">
-          <a:blip r:embed="rId10" cstate="email">
-            <a:extLst>
-              <a:ext uri="{BEBA8EAE-BF5A-486C-A8C5-ECC9F3942E4B}">
-                <a14:imgProps xmlns:a14="http://schemas.microsoft.com/office/drawing/2010/main">
-                  <a14:imgLayer r:embed="rId11">
-                    <a14:imgEffect>
-                      <a14:saturation sat="0"/>
-                    </a14:imgEffect>
-                  </a14:imgLayer>
-                </a14:imgProps>
-              </a:ext>
-              <a:ext uri="{28A0092B-C50C-407E-A947-70E740481C1C}">
-                <a14:useLocalDpi xmlns:a14="http://schemas.microsoft.com/office/drawing/2010/main"/>
-              </a:ext>
-            </a:extLst>
-          </a:blip>
-          <a:srcRect t="5389" b="5389"/>
-          <a:stretch/>
-        </p:blipFill>
-        <p:spPr/>
-      </p:pic>
-      <p:pic>
-        <p:nvPicPr>
-          <p:cNvPr id="20" name="Bildplatzhalter 19" descr="Hochformat">
-            <a:extLst>
-              <a:ext uri="{FF2B5EF4-FFF2-40B4-BE49-F238E27FC236}">
-                <a16:creationId xmlns:a16="http://schemas.microsoft.com/office/drawing/2014/main" id="{5AFBBF42-7056-4477-896E-1E8073CB4729}"/>
-              </a:ext>
-            </a:extLst>
-          </p:cNvPr>
-          <p:cNvPicPr>
-            <a:picLocks noGrp="1" noChangeAspect="1"/>
-          </p:cNvPicPr>
-          <p:nvPr>
-            <p:ph type="pic" sz="quarter" idx="19"/>
-          </p:nvPr>
-        </p:nvPicPr>
-        <p:blipFill rotWithShape="1">
-          <a:blip r:embed="rId12" cstate="email">
-            <a:extLst>
-              <a:ext uri="{BEBA8EAE-BF5A-486C-A8C5-ECC9F3942E4B}">
-                <a14:imgProps xmlns:a14="http://schemas.microsoft.com/office/drawing/2010/main">
-                  <a14:imgLayer r:embed="rId13">
-                    <a14:imgEffect>
-                      <a14:saturation sat="0"/>
-                    </a14:imgEffect>
-                  </a14:imgLayer>
-                </a14:imgProps>
-              </a:ext>
-              <a:ext uri="{28A0092B-C50C-407E-A947-70E740481C1C}">
-                <a14:useLocalDpi xmlns:a14="http://schemas.microsoft.com/office/drawing/2010/main"/>
-              </a:ext>
-            </a:extLst>
-          </a:blip>
-          <a:srcRect l="8985" t="7844" r="6193" b="16511"/>
-          <a:stretch/>
-        </p:blipFill>
-        <p:spPr>
-          <a:xfrm>
-            <a:off x="4051300" y="4479925"/>
-            <a:ext cx="2997200" cy="1781979"/>
-          </a:xfrm>
-        </p:spPr>
-      </p:pic>
-      <p:sp>
-        <p:nvSpPr>
-          <p:cNvPr id="13" name="Inhaltsplatzhalter 12">
-            <a:extLst>
-              <a:ext uri="{FF2B5EF4-FFF2-40B4-BE49-F238E27FC236}">
-                <a16:creationId xmlns:a16="http://schemas.microsoft.com/office/drawing/2014/main" id="{A4E49AC7-7A73-4B51-BDF6-EABA3162F4B7}"/>
-              </a:ext>
-            </a:extLst>
-          </p:cNvPr>
-          <p:cNvSpPr>
-            <a:spLocks noGrp="1"/>
-          </p:cNvSpPr>
-          <p:nvPr>
-            <p:ph idx="1"/>
-          </p:nvPr>
-        </p:nvSpPr>
-        <p:spPr/>
-        <p:txBody>
-          <a:bodyPr rtlCol="0">
-            <a:normAutofit/>
-          </a:bodyPr>
-          <a:lstStyle/>
-          <a:p>
-            <a:pPr marL="0" indent="0" rtl="0">
-              <a:buNone/>
-            </a:pPr>
-            <a:r>
-              <a:rPr lang="de-DE" sz="1800" spc="300"/>
-              <a:t>ANA</a:t>
-            </a:r>
-          </a:p>
-          <a:p>
-            <a:pPr marL="0" indent="0" rtl="0">
-              <a:lnSpc>
-                <a:spcPct val="100000"/>
-              </a:lnSpc>
-              <a:buNone/>
-            </a:pPr>
-            <a:r>
-              <a:rPr lang="de-DE" sz="1500"/>
-              <a:t>CEO</a:t>
-            </a:r>
-          </a:p>
-          <a:p>
-            <a:pPr marL="0" indent="0" rtl="0">
-              <a:buNone/>
-            </a:pPr>
-            <a:r>
-              <a:rPr lang="de-DE" sz="1800" spc="300"/>
-              <a:t>LARISSA</a:t>
-            </a:r>
-          </a:p>
-          <a:p>
-            <a:pPr marL="0" indent="0" rtl="0">
-              <a:lnSpc>
-                <a:spcPct val="100000"/>
-              </a:lnSpc>
-              <a:buNone/>
-            </a:pPr>
-            <a:r>
-              <a:rPr lang="de-DE" sz="1500"/>
-              <a:t>CFO</a:t>
-            </a:r>
-          </a:p>
-          <a:p>
-            <a:pPr marL="0" indent="0" rtl="0">
-              <a:buNone/>
-            </a:pPr>
-            <a:r>
-              <a:rPr lang="de-DE" sz="1800" spc="300"/>
-              <a:t>ROMAN</a:t>
-            </a:r>
-          </a:p>
-          <a:p>
-            <a:pPr marL="0" indent="0" rtl="0">
-              <a:lnSpc>
-                <a:spcPct val="100000"/>
-              </a:lnSpc>
-              <a:buNone/>
-            </a:pPr>
-            <a:r>
-              <a:rPr lang="de-DE" sz="1500"/>
-              <a:t>CTO</a:t>
-            </a:r>
-          </a:p>
-          <a:p>
-            <a:pPr marL="0" indent="0" rtl="0">
-              <a:buNone/>
-            </a:pPr>
-            <a:r>
-              <a:rPr lang="de-DE" sz="1800" spc="300"/>
-              <a:t>FEDERICO</a:t>
-            </a:r>
-            <a:r>
-              <a:rPr lang="de-DE" sz="1800"/>
-              <a:t> </a:t>
-            </a:r>
-          </a:p>
-          <a:p>
-            <a:pPr marL="0" indent="0" rtl="0">
-              <a:lnSpc>
-                <a:spcPct val="100000"/>
-              </a:lnSpc>
-              <a:buNone/>
-            </a:pPr>
-            <a:r>
-              <a:rPr lang="de-DE" sz="1500"/>
-              <a:t>CPO</a:t>
-            </a:r>
-          </a:p>
-          <a:p>
-            <a:pPr marL="0" indent="0" rtl="0">
-              <a:buNone/>
-            </a:pPr>
-            <a:r>
-              <a:rPr lang="de-DE" sz="1800" spc="300"/>
-              <a:t>ALEJANDRA </a:t>
-            </a:r>
-          </a:p>
-          <a:p>
-            <a:pPr marL="0" indent="0" rtl="0">
-              <a:lnSpc>
-                <a:spcPct val="100000"/>
-              </a:lnSpc>
-              <a:buNone/>
-            </a:pPr>
-            <a:r>
-              <a:rPr lang="de-DE" sz="1500"/>
-              <a:t>CMO</a:t>
-            </a:r>
-          </a:p>
-          <a:p>
-            <a:pPr marL="0" indent="0" rtl="0">
-              <a:buNone/>
-            </a:pPr>
-            <a:r>
-              <a:rPr lang="de-DE" sz="1800" spc="300"/>
-              <a:t>JIM </a:t>
-            </a:r>
-          </a:p>
-          <a:p>
-            <a:pPr marL="0" indent="0" rtl="0">
-              <a:lnSpc>
-                <a:spcPct val="100000"/>
-              </a:lnSpc>
-              <a:buNone/>
-            </a:pPr>
-            <a:r>
-              <a:rPr lang="de-DE" sz="1500"/>
-              <a:t>COO</a:t>
-            </a:r>
-          </a:p>
-        </p:txBody>
-      </p:sp>
-      <p:sp>
-        <p:nvSpPr>
-          <p:cNvPr id="6" name="Foliennummernplatzhalter 5">
-            <a:extLst>
-              <a:ext uri="{FF2B5EF4-FFF2-40B4-BE49-F238E27FC236}">
-                <a16:creationId xmlns:a16="http://schemas.microsoft.com/office/drawing/2014/main" id="{929F2A82-A1C3-4571-9ED3-A0EC079893EC}"/>
-              </a:ext>
-            </a:extLst>
-          </p:cNvPr>
-          <p:cNvSpPr>
-            <a:spLocks noGrp="1"/>
-          </p:cNvSpPr>
-          <p:nvPr>
-            <p:ph type="sldNum" sz="quarter" idx="4"/>
-          </p:nvPr>
-        </p:nvSpPr>
-        <p:spPr/>
-        <p:txBody>
-          <a:bodyPr rtlCol="0"/>
-          <a:lstStyle/>
-          <a:p>
-            <a:pPr rtl="0"/>
-            <a:fld id="{8C2E478F-E849-4A8C-AF1F-CBCC78A7CBFA}" type="slidenum">
-              <a:rPr lang="de-DE" smtClean="0"/>
-              <a:t>9</a:t>
-            </a:fld>
-            <a:endParaRPr lang="de-DE"/>
-          </a:p>
-        </p:txBody>
-      </p:sp>
-    </p:spTree>
-    <p:extLst>
-      <p:ext uri="{BB962C8B-B14F-4D97-AF65-F5344CB8AC3E}">
-        <p14:creationId xmlns:p14="http://schemas.microsoft.com/office/powerpoint/2010/main" val="2720361709"/>
       </p:ext>
     </p:extLst>
   </p:cSld>

--- a/Technische Präsentation.pptx
+++ b/Technische Präsentation.pptx
@@ -261,7 +261,7 @@
             <a:pPr rtl="0"/>
             <a:fld id="{113EEFA1-0CD4-4B4A-8B81-983694750BEC}" type="datetime1">
               <a:rPr lang="de-DE" smtClean="0"/>
-              <a:t>23.10.2023</a:t>
+              <a:t>01.11.2023</a:t>
             </a:fld>
             <a:endParaRPr lang="de-DE"/>
           </a:p>
@@ -443,7 +443,7 @@
             <a:fld id="{76EEEDEA-3685-4291-AB4B-0B315B572B9D}" type="datetime1">
               <a:rPr lang="de-DE" smtClean="0"/>
               <a:pPr/>
-              <a:t>23.10.2023</a:t>
+              <a:t>01.11.2023</a:t>
             </a:fld>
             <a:endParaRPr lang="de-DE" dirty="0"/>
           </a:p>
